--- a/발표/BASKET BALL KING.pptx
+++ b/발표/BASKET BALL KING.pptx
@@ -256,7 +256,7 @@
                 <a:latin typeface="+mj-ea"/>
                 <a:ea typeface="+mj-ea"/>
               </a:rPr>
-              <a:t>10/15/2023</a:t>
+              <a:t>11/12/2023</a:t>
             </a:fld>
             <a:endParaRPr lang="ko-KR" altLang="en-US">
               <a:latin typeface="+mj-ea"/>
@@ -455,7 +455,7 @@
             <a:fld id="{58D25597-25DC-4569-9D2F-FB5CC7243947}" type="datetime1">
               <a:rPr lang="ko-KR" altLang="en-US" smtClean="0"/>
               <a:pPr/>
-              <a:t>2023-10-15</a:t>
+              <a:t>2023-11-12</a:t>
             </a:fld>
             <a:endParaRPr lang="ko-KR" altLang="en-US" dirty="0"/>
           </a:p>
@@ -9548,11 +9548,11 @@
   <p:clrMapOvr>
     <a:masterClrMapping/>
   </p:clrMapOvr>
-  <mc:AlternateContent xmlns:mc="http://schemas.openxmlformats.org/markup-compatibility/2006">
-    <mc:Choice xmlns:p14="http://schemas.microsoft.com/office/powerpoint/2010/main" Requires="p14">
+  <mc:AlternateContent xmlns:mc="http://schemas.openxmlformats.org/markup-compatibility/2006" xmlns:p14="http://schemas.microsoft.com/office/powerpoint/2010/main">
+    <mc:Choice Requires="p14">
       <p:transition spd="slow" p14:dur="2000" advTm="11653"/>
     </mc:Choice>
-    <mc:Fallback>
+    <mc:Fallback xmlns="">
       <p:transition spd="slow" advTm="11653"/>
     </mc:Fallback>
   </mc:AlternateContent>
@@ -9846,11 +9846,11 @@
   <p:clrMapOvr>
     <a:masterClrMapping/>
   </p:clrMapOvr>
-  <mc:AlternateContent xmlns:mc="http://schemas.openxmlformats.org/markup-compatibility/2006">
-    <mc:Choice xmlns:p14="http://schemas.microsoft.com/office/powerpoint/2010/main" Requires="p14">
+  <mc:AlternateContent xmlns:mc="http://schemas.openxmlformats.org/markup-compatibility/2006" xmlns:p14="http://schemas.microsoft.com/office/powerpoint/2010/main">
+    <mc:Choice Requires="p14">
       <p:transition spd="slow" p14:dur="2000" advTm="24528"/>
     </mc:Choice>
-    <mc:Fallback>
+    <mc:Fallback xmlns="">
       <p:transition spd="slow" advTm="24528"/>
     </mc:Fallback>
   </mc:AlternateContent>
@@ -10143,11 +10143,11 @@
   <p:clrMapOvr>
     <a:masterClrMapping/>
   </p:clrMapOvr>
-  <mc:AlternateContent xmlns:mc="http://schemas.openxmlformats.org/markup-compatibility/2006">
-    <mc:Choice xmlns:p14="http://schemas.microsoft.com/office/powerpoint/2010/main" Requires="p14">
+  <mc:AlternateContent xmlns:mc="http://schemas.openxmlformats.org/markup-compatibility/2006" xmlns:p14="http://schemas.microsoft.com/office/powerpoint/2010/main">
+    <mc:Choice Requires="p14">
       <p:transition spd="slow" p14:dur="2000" advTm="25537"/>
     </mc:Choice>
-    <mc:Fallback>
+    <mc:Fallback xmlns="">
       <p:transition spd="slow" advTm="25537"/>
     </mc:Fallback>
   </mc:AlternateContent>
@@ -10738,11 +10738,11 @@
   <p:clrMapOvr>
     <a:masterClrMapping/>
   </p:clrMapOvr>
-  <mc:AlternateContent xmlns:mc="http://schemas.openxmlformats.org/markup-compatibility/2006">
-    <mc:Choice xmlns:p14="http://schemas.microsoft.com/office/powerpoint/2010/main" Requires="p14">
+  <mc:AlternateContent xmlns:mc="http://schemas.openxmlformats.org/markup-compatibility/2006" xmlns:p14="http://schemas.microsoft.com/office/powerpoint/2010/main">
+    <mc:Choice Requires="p14">
       <p:transition spd="slow" p14:dur="2000" advTm="28409"/>
     </mc:Choice>
-    <mc:Fallback>
+    <mc:Fallback xmlns="">
       <p:transition spd="slow" advTm="28409"/>
     </mc:Fallback>
   </mc:AlternateContent>
@@ -11849,21 +11849,21 @@
 </file>
 
 <file path=customXml/item2.xml><?xml version="1.0" encoding="utf-8"?>
+<?mso-contentType ?>
+<FormTemplates xmlns="http://schemas.microsoft.com/sharepoint/v3/contenttype/forms">
+  <Display>DocumentLibraryForm</Display>
+  <Edit>DocumentLibraryForm</Edit>
+  <New>DocumentLibraryForm</New>
+</FormTemplates>
+</file>
+
+<file path=customXml/item3.xml><?xml version="1.0" encoding="utf-8"?>
 <p:properties xmlns:p="http://schemas.microsoft.com/office/2006/metadata/properties" xmlns:xsi="http://www.w3.org/2001/XMLSchema-instance" xmlns:pc="http://schemas.microsoft.com/office/infopath/2007/PartnerControls">
   <documentManagement>
     <Status xmlns="71af3243-3dd4-4a8d-8c0d-dd76da1f02a5">Not started</Status>
     <MediaServiceKeyPoints xmlns="71af3243-3dd4-4a8d-8c0d-dd76da1f02a5" xsi:nil="true"/>
   </documentManagement>
 </p:properties>
-</file>
-
-<file path=customXml/item3.xml><?xml version="1.0" encoding="utf-8"?>
-<?mso-contentType ?>
-<FormTemplates xmlns="http://schemas.microsoft.com/sharepoint/v3/contenttype/forms">
-  <Display>DocumentLibraryForm</Display>
-  <Edit>DocumentLibraryForm</Edit>
-  <New>DocumentLibraryForm</New>
-</FormTemplates>
 </file>
 
 <file path=customXml/itemProps1.xml><?xml version="1.0" encoding="utf-8"?>
@@ -11886,6 +11886,14 @@
 </file>
 
 <file path=customXml/itemProps2.xml><?xml version="1.0" encoding="utf-8"?>
+<ds:datastoreItem xmlns:ds="http://schemas.openxmlformats.org/officeDocument/2006/customXml" ds:itemID="{B927DC71-2909-427C-BDB0-3E47E2101517}">
+  <ds:schemaRefs>
+    <ds:schemaRef ds:uri="http://schemas.microsoft.com/sharepoint/v3/contenttype/forms"/>
+  </ds:schemaRefs>
+</ds:datastoreItem>
+</file>
+
+<file path=customXml/itemProps3.xml><?xml version="1.0" encoding="utf-8"?>
 <ds:datastoreItem xmlns:ds="http://schemas.openxmlformats.org/officeDocument/2006/customXml" ds:itemID="{290D7697-8E53-4EA8-8CBB-9C19575257BF}">
   <ds:schemaRefs>
     <ds:schemaRef ds:uri="http://schemas.microsoft.com/office/2006/metadata/properties"/>
@@ -11893,12 +11901,4 @@
     <ds:schemaRef ds:uri="71af3243-3dd4-4a8d-8c0d-dd76da1f02a5"/>
   </ds:schemaRefs>
 </ds:datastoreItem>
-</file>
-
-<file path=customXml/itemProps3.xml><?xml version="1.0" encoding="utf-8"?>
-<ds:datastoreItem xmlns:ds="http://schemas.openxmlformats.org/officeDocument/2006/customXml" ds:itemID="{B927DC71-2909-427C-BDB0-3E47E2101517}">
-  <ds:schemaRefs>
-    <ds:schemaRef ds:uri="http://schemas.microsoft.com/sharepoint/v3/contenttype/forms"/>
-  </ds:schemaRefs>
-</ds:datastoreItem>
 </file>
--- a/발표/BASKET BALL KING.pptx
+++ b/발표/BASKET BALL KING.pptx
@@ -5,16 +5,17 @@
     <p:sldMasterId id="2147483720" r:id="rId4"/>
   </p:sldMasterIdLst>
   <p:notesMasterIdLst>
-    <p:notesMasterId r:id="rId9"/>
+    <p:notesMasterId r:id="rId10"/>
   </p:notesMasterIdLst>
   <p:handoutMasterIdLst>
-    <p:handoutMasterId r:id="rId10"/>
+    <p:handoutMasterId r:id="rId11"/>
   </p:handoutMasterIdLst>
   <p:sldIdLst>
     <p:sldId id="281" r:id="rId5"/>
-    <p:sldId id="282" r:id="rId6"/>
-    <p:sldId id="283" r:id="rId7"/>
-    <p:sldId id="284" r:id="rId8"/>
+    <p:sldId id="283" r:id="rId6"/>
+    <p:sldId id="284" r:id="rId7"/>
+    <p:sldId id="286" r:id="rId8"/>
+    <p:sldId id="285" r:id="rId9"/>
   </p:sldIdLst>
   <p:sldSz cx="12192000" cy="6858000"/>
   <p:notesSz cx="6858000" cy="9144000"/>
@@ -994,7 +995,7 @@
             <a:fld id="{BCFAAAB6-A2C6-4A85-A3A1-98EFBA61C967}" type="slidenum">
               <a:rPr lang="en-US" altLang="ko-KR" noProof="0" smtClean="0"/>
               <a:pPr/>
-              <a:t>3</a:t>
+              <a:t>2</a:t>
             </a:fld>
             <a:endParaRPr lang="ko-KR" altLang="en-US" noProof="0"/>
           </a:p>
@@ -9486,7 +9487,7 @@
             </a:r>
             <a:r>
               <a:rPr lang="en-US" altLang="ko-KR" dirty="0"/>
-              <a:t>1</a:t>
+              <a:t>2</a:t>
             </a:r>
             <a:r>
               <a:rPr lang="ko-KR" altLang="en-US" dirty="0"/>
@@ -9663,37 +9664,6 @@
           <a:chExt cx="0" cy="0"/>
         </a:xfrm>
       </p:grpSpPr>
-      <p:pic>
-        <p:nvPicPr>
-          <p:cNvPr id="6" name="그림 5" descr="텍스트, 스크린샷, 로고, 폰트이(가) 표시된 사진&#10;&#10;자동 생성된 설명">
-            <a:extLst>
-              <a:ext uri="{FF2B5EF4-FFF2-40B4-BE49-F238E27FC236}">
-                <a16:creationId xmlns:a16="http://schemas.microsoft.com/office/drawing/2014/main" id="{88DDFF11-2610-3426-63B4-380718D3987C}"/>
-              </a:ext>
-            </a:extLst>
-          </p:cNvPr>
-          <p:cNvPicPr>
-            <a:picLocks noChangeAspect="1"/>
-          </p:cNvPicPr>
-          <p:nvPr/>
-        </p:nvPicPr>
-        <p:blipFill>
-          <a:blip r:embed="rId4"/>
-          <a:stretch>
-            <a:fillRect/>
-          </a:stretch>
-        </p:blipFill>
-        <p:spPr>
-          <a:xfrm rot="16200000">
-            <a:off x="6281928" y="863123"/>
-            <a:ext cx="4096512" cy="5790122"/>
-          </a:xfrm>
-          <a:prstGeom prst="rect">
-            <a:avLst/>
-          </a:prstGeom>
-          <a:noFill/>
-        </p:spPr>
-      </p:pic>
       <p:sp>
         <p:nvSpPr>
           <p:cNvPr id="13" name="Text Placeholder 3">
@@ -9712,41 +9682,16 @@
         </p:nvSpPr>
         <p:spPr>
           <a:xfrm>
-            <a:off x="868680" y="1504950"/>
-            <a:ext cx="3099816" cy="3990594"/>
-          </a:xfrm>
-        </p:spPr>
-        <p:txBody>
-          <a:bodyPr/>
+            <a:off x="868680" y="1514475"/>
+            <a:ext cx="3099816" cy="3981069"/>
+          </a:xfrm>
+        </p:spPr>
+        <p:txBody>
+          <a:bodyPr>
+            <a:normAutofit/>
+          </a:bodyPr>
           <a:lstStyle/>
           <a:p>
-            <a:r>
-              <a:rPr lang="ko-KR" altLang="en-US" dirty="0"/>
-              <a:t>장르 </a:t>
-            </a:r>
-            <a:r>
-              <a:rPr lang="en-US" altLang="ko-KR" dirty="0"/>
-              <a:t>: </a:t>
-            </a:r>
-            <a:r>
-              <a:rPr lang="ko-KR" altLang="en-US" dirty="0"/>
-              <a:t>농구</a:t>
-            </a:r>
-            <a:endParaRPr lang="en-US" altLang="ko-KR" dirty="0"/>
-          </a:p>
-          <a:p>
-            <a:r>
-              <a:rPr lang="ko-KR" altLang="en-US" dirty="0"/>
-              <a:t>단순하게 골을 넣어 점수를 획득하는 방식으로 달라지는 골대 이동 패턴에 따라 공을 조절해서 넣어야 한다</a:t>
-            </a:r>
-            <a:r>
-              <a:rPr lang="en-US" altLang="ko-KR" dirty="0"/>
-              <a:t>.</a:t>
-            </a:r>
-            <a:r>
-              <a:rPr lang="ko-KR" altLang="en-US" dirty="0"/>
-              <a:t> </a:t>
-            </a:r>
             <a:endParaRPr lang="en-US" dirty="0"/>
           </a:p>
         </p:txBody>
@@ -9799,11 +9744,11 @@
       </p:sp>
       <p:pic>
         <p:nvPicPr>
-          <p:cNvPr id="19" name="오디오 18">
+          <p:cNvPr id="32" name="오디오 31">
             <a:hlinkClick r:id="" action="ppaction://media"/>
             <a:extLst>
               <a:ext uri="{FF2B5EF4-FFF2-40B4-BE49-F238E27FC236}">
-                <a16:creationId xmlns:a16="http://schemas.microsoft.com/office/drawing/2014/main" id="{41E46004-D197-1DD8-DA58-B9DF93ECA424}"/>
+                <a16:creationId xmlns:a16="http://schemas.microsoft.com/office/drawing/2014/main" id="{B84A23F8-CD43-9916-8ED0-B31EF96F35C1}"/>
               </a:ext>
             </a:extLst>
           </p:cNvPr>
@@ -9836,137 +9781,12 @@
           </a:prstGeom>
         </p:spPr>
       </p:pic>
-    </p:spTree>
-    <p:extLst>
-      <p:ext uri="{BB962C8B-B14F-4D97-AF65-F5344CB8AC3E}">
-        <p14:creationId xmlns:p14="http://schemas.microsoft.com/office/powerpoint/2010/main" val="2478923867"/>
-      </p:ext>
-    </p:extLst>
-  </p:cSld>
-  <p:clrMapOvr>
-    <a:masterClrMapping/>
-  </p:clrMapOvr>
-  <mc:AlternateContent xmlns:mc="http://schemas.openxmlformats.org/markup-compatibility/2006" xmlns:p14="http://schemas.microsoft.com/office/powerpoint/2010/main">
-    <mc:Choice Requires="p14">
-      <p:transition spd="slow" p14:dur="2000" advTm="24528"/>
-    </mc:Choice>
-    <mc:Fallback xmlns="">
-      <p:transition spd="slow" advTm="24528"/>
-    </mc:Fallback>
-  </mc:AlternateContent>
-  <p:timing>
-    <p:tnLst>
-      <p:par>
-        <p:cTn id="1" dur="indefinite" restart="never" nodeType="tmRoot">
-          <p:childTnLst>
-            <p:seq concurrent="1" nextAc="seek">
-              <p:cTn id="2" dur="indefinite" nodeType="mainSeq">
-                <p:childTnLst>
-                  <p:par>
-                    <p:cTn id="3" fill="hold">
-                      <p:stCondLst>
-                        <p:cond delay="indefinite"/>
-                        <p:cond evt="onBegin" delay="0">
-                          <p:tn val="2"/>
-                        </p:cond>
-                      </p:stCondLst>
-                      <p:childTnLst>
-                        <p:par>
-                          <p:cTn id="4" fill="hold">
-                            <p:stCondLst>
-                              <p:cond delay="0"/>
-                            </p:stCondLst>
-                            <p:childTnLst>
-                              <p:par>
-                                <p:cTn id="5" presetID="1" presetClass="mediacall" presetSubtype="0" fill="hold" nodeType="afterEffect">
-                                  <p:stCondLst>
-                                    <p:cond delay="0"/>
-                                  </p:stCondLst>
-                                  <p:childTnLst>
-                                    <p:cmd type="call" cmd="playFrom(0.0)">
-                                      <p:cBhvr>
-                                        <p:cTn id="6" dur="1" fill="hold"/>
-                                        <p:tgtEl>
-                                          <p:spTgt spid="19"/>
-                                        </p:tgtEl>
-                                      </p:cBhvr>
-                                    </p:cmd>
-                                  </p:childTnLst>
-                                </p:cTn>
-                              </p:par>
-                            </p:childTnLst>
-                          </p:cTn>
-                        </p:par>
-                      </p:childTnLst>
-                    </p:cTn>
-                  </p:par>
-                </p:childTnLst>
-              </p:cTn>
-              <p:prevCondLst>
-                <p:cond evt="onPrev" delay="0">
-                  <p:tgtEl>
-                    <p:sldTgt/>
-                  </p:tgtEl>
-                </p:cond>
-              </p:prevCondLst>
-              <p:nextCondLst>
-                <p:cond evt="onNext" delay="0">
-                  <p:tgtEl>
-                    <p:sldTgt/>
-                  </p:tgtEl>
-                </p:cond>
-              </p:nextCondLst>
-            </p:seq>
-            <p:audio isNarration="1">
-              <p:cMediaNode vol="80000" showWhenStopped="0">
-                <p:cTn id="7" fill="hold" display="0">
-                  <p:stCondLst>
-                    <p:cond delay="indefinite"/>
-                  </p:stCondLst>
-                  <p:endCondLst>
-                    <p:cond evt="onStopAudio" delay="0">
-                      <p:tgtEl>
-                        <p:sldTgt/>
-                      </p:tgtEl>
-                    </p:cond>
-                  </p:endCondLst>
-                </p:cTn>
-                <p:tgtEl>
-                  <p:spTgt spid="19"/>
-                </p:tgtEl>
-              </p:cMediaNode>
-            </p:audio>
-          </p:childTnLst>
-        </p:cTn>
-      </p:par>
-    </p:tnLst>
-  </p:timing>
-</p:sld>
-</file>
-
-<file path=ppt/slides/slide3.xml><?xml version="1.0" encoding="utf-8"?>
-<p:sld xmlns:a="http://schemas.openxmlformats.org/drawingml/2006/main" xmlns:r="http://schemas.openxmlformats.org/officeDocument/2006/relationships" xmlns:p="http://schemas.openxmlformats.org/presentationml/2006/main">
-  <p:cSld>
-    <p:spTree>
-      <p:nvGrpSpPr>
-        <p:cNvPr id="1" name=""/>
-        <p:cNvGrpSpPr/>
-        <p:nvPr/>
-      </p:nvGrpSpPr>
-      <p:grpSpPr>
-        <a:xfrm>
-          <a:off x="0" y="0"/>
-          <a:ext cx="0" cy="0"/>
-          <a:chOff x="0" y="0"/>
-          <a:chExt cx="0" cy="0"/>
-        </a:xfrm>
-      </p:grpSpPr>
       <p:pic>
         <p:nvPicPr>
-          <p:cNvPr id="3" name="그림 2" descr="도표, 텍스트, 스크린샷, 디자인이(가) 표시된 사진&#10;&#10;자동 생성된 설명">
-            <a:extLst>
-              <a:ext uri="{FF2B5EF4-FFF2-40B4-BE49-F238E27FC236}">
-                <a16:creationId xmlns:a16="http://schemas.microsoft.com/office/drawing/2014/main" id="{3F9CB8ED-79D9-F07D-E302-C0995478778A}"/>
+          <p:cNvPr id="5" name="그림 4" descr="직사각형, 스크린샷, 디자인이(가) 표시된 사진&#10;&#10;자동 생성된 설명">
+            <a:extLst>
+              <a:ext uri="{FF2B5EF4-FFF2-40B4-BE49-F238E27FC236}">
+                <a16:creationId xmlns:a16="http://schemas.microsoft.com/office/drawing/2014/main" id="{213768C5-89B2-8DC9-EE50-BDED6E1E6409}"/>
               </a:ext>
             </a:extLst>
           </p:cNvPr>
@@ -9976,159 +9796,17 @@
           <p:nvPr/>
         </p:nvPicPr>
         <p:blipFill>
-          <a:blip r:embed="rId5"/>
+          <a:blip r:embed="rId6"/>
           <a:stretch>
             <a:fillRect/>
           </a:stretch>
         </p:blipFill>
         <p:spPr>
-          <a:xfrm rot="16200000">
-            <a:off x="6007608" y="201071"/>
-            <a:ext cx="4645152" cy="6565585"/>
+          <a:xfrm>
+            <a:off x="4818376" y="1181105"/>
+            <a:ext cx="6431261" cy="4314439"/>
           </a:xfrm>
           <a:prstGeom prst="rect">
-            <a:avLst/>
-          </a:prstGeom>
-          <a:noFill/>
-        </p:spPr>
-      </p:pic>
-      <p:sp>
-        <p:nvSpPr>
-          <p:cNvPr id="13" name="Text Placeholder 3">
-            <a:extLst>
-              <a:ext uri="{FF2B5EF4-FFF2-40B4-BE49-F238E27FC236}">
-                <a16:creationId xmlns:a16="http://schemas.microsoft.com/office/drawing/2014/main" id="{D6CEE1FE-2957-E9A1-E3B4-E2C7EE97D463}"/>
-              </a:ext>
-            </a:extLst>
-          </p:cNvPr>
-          <p:cNvSpPr>
-            <a:spLocks noGrp="1"/>
-          </p:cNvSpPr>
-          <p:nvPr>
-            <p:ph type="body" sz="half" idx="2"/>
-          </p:nvPr>
-        </p:nvSpPr>
-        <p:spPr>
-          <a:xfrm>
-            <a:off x="868680" y="1514475"/>
-            <a:ext cx="3099816" cy="3981069"/>
-          </a:xfrm>
-        </p:spPr>
-        <p:txBody>
-          <a:bodyPr>
-            <a:normAutofit/>
-          </a:bodyPr>
-          <a:lstStyle/>
-          <a:p>
-            <a:r>
-              <a:rPr lang="ko-KR" altLang="en-US" dirty="0"/>
-              <a:t>좌우이동</a:t>
-            </a:r>
-            <a:r>
-              <a:rPr lang="en-US" altLang="ko-KR" dirty="0"/>
-              <a:t>, </a:t>
-            </a:r>
-            <a:r>
-              <a:rPr lang="ko-KR" altLang="en-US" dirty="0"/>
-              <a:t>상하이동</a:t>
-            </a:r>
-            <a:r>
-              <a:rPr lang="en-US" altLang="ko-KR" dirty="0"/>
-              <a:t>, </a:t>
-            </a:r>
-            <a:r>
-              <a:rPr lang="ko-KR" altLang="en-US" dirty="0"/>
-              <a:t>그 및 여러가지의 패턴을 구현할 예정이다</a:t>
-            </a:r>
-            <a:r>
-              <a:rPr lang="en-US" altLang="ko-KR" dirty="0"/>
-              <a:t>.</a:t>
-            </a:r>
-            <a:endParaRPr lang="en-US" dirty="0"/>
-          </a:p>
-        </p:txBody>
-      </p:sp>
-      <p:sp>
-        <p:nvSpPr>
-          <p:cNvPr id="4" name="슬라이드 번호 개체 틀 3">
-            <a:extLst>
-              <a:ext uri="{FF2B5EF4-FFF2-40B4-BE49-F238E27FC236}">
-                <a16:creationId xmlns:a16="http://schemas.microsoft.com/office/drawing/2014/main" id="{F6985FDE-C593-58F5-8367-AE47D67B4EEB}"/>
-              </a:ext>
-            </a:extLst>
-          </p:cNvPr>
-          <p:cNvSpPr>
-            <a:spLocks noGrp="1"/>
-          </p:cNvSpPr>
-          <p:nvPr>
-            <p:ph type="sldNum" sz="quarter" idx="12"/>
-          </p:nvPr>
-        </p:nvSpPr>
-        <p:spPr>
-          <a:xfrm>
-            <a:off x="8610600" y="6356350"/>
-            <a:ext cx="2743200" cy="365125"/>
-          </a:xfrm>
-        </p:spPr>
-        <p:txBody>
-          <a:bodyPr anchor="ctr">
-            <a:normAutofit/>
-          </a:bodyPr>
-          <a:lstStyle/>
-          <a:p>
-            <a:pPr rtl="0">
-              <a:spcAft>
-                <a:spcPts val="600"/>
-              </a:spcAft>
-            </a:pPr>
-            <a:fld id="{A65A5C87-DF58-40C8-B092-1DE63DB4547E}" type="slidenum">
-              <a:rPr lang="en-US" smtClean="0"/>
-              <a:pPr rtl="0">
-                <a:spcAft>
-                  <a:spcPts val="600"/>
-                </a:spcAft>
-              </a:pPr>
-              <a:t>3</a:t>
-            </a:fld>
-            <a:endParaRPr lang="en-US"/>
-          </a:p>
-        </p:txBody>
-      </p:sp>
-      <p:pic>
-        <p:nvPicPr>
-          <p:cNvPr id="32" name="오디오 31">
-            <a:hlinkClick r:id="" action="ppaction://media"/>
-            <a:extLst>
-              <a:ext uri="{FF2B5EF4-FFF2-40B4-BE49-F238E27FC236}">
-                <a16:creationId xmlns:a16="http://schemas.microsoft.com/office/drawing/2014/main" id="{B84A23F8-CD43-9916-8ED0-B31EF96F35C1}"/>
-              </a:ext>
-            </a:extLst>
-          </p:cNvPr>
-          <p:cNvPicPr>
-            <a:picLocks noChangeAspect="1"/>
-          </p:cNvPicPr>
-          <p:nvPr>
-            <a:audioFile r:link="rId2"/>
-            <p:extLst>
-              <p:ext uri="{DAA4B4D4-6D71-4841-9C94-3DE7FCFB9230}">
-                <p14:media xmlns:p14="http://schemas.microsoft.com/office/powerpoint/2010/main" r:embed="rId1"/>
-              </p:ext>
-            </p:extLst>
-          </p:nvPr>
-        </p:nvPicPr>
-        <p:blipFill>
-          <a:blip r:embed="rId6"/>
-          <a:srcRect l="-118750" t="-118750" r="-118750" b="-118750"/>
-          <a:stretch>
-            <a:fillRect/>
-          </a:stretch>
-        </p:blipFill>
-        <p:spPr>
-          <a:xfrm>
-            <a:off x="10052304" y="4718304"/>
-            <a:ext cx="2057400" cy="2057400"/>
-          </a:xfrm>
-          <a:prstGeom prst="ellipse">
             <a:avLst/>
           </a:prstGeom>
         </p:spPr>
@@ -10241,7 +9919,7 @@
 </p:sld>
 </file>
 
-<file path=ppt/slides/slide4.xml><?xml version="1.0" encoding="utf-8"?>
+<file path=ppt/slides/slide3.xml><?xml version="1.0" encoding="utf-8"?>
 <p:sld xmlns:a="http://schemas.openxmlformats.org/drawingml/2006/main" xmlns:r="http://schemas.openxmlformats.org/officeDocument/2006/relationships" xmlns:p="http://schemas.openxmlformats.org/presentationml/2006/main">
   <p:cSld>
     <p:spTree>
@@ -10282,7 +9960,7 @@
             <a:pPr rtl="0"/>
             <a:fld id="{A65A5C87-DF58-40C8-B092-1DE63DB4547E}" type="slidenum">
               <a:rPr lang="en-US" smtClean="0"/>
-              <a:t>4</a:t>
+              <a:t>3</a:t>
             </a:fld>
             <a:endParaRPr lang="en-US" dirty="0"/>
           </a:p>
@@ -10833,6 +10511,739 @@
       </p:par>
     </p:tnLst>
   </p:timing>
+</p:sld>
+</file>
+
+<file path=ppt/slides/slide4.xml><?xml version="1.0" encoding="utf-8"?>
+<p:sld xmlns:a="http://schemas.openxmlformats.org/drawingml/2006/main" xmlns:r="http://schemas.openxmlformats.org/officeDocument/2006/relationships" xmlns:p="http://schemas.openxmlformats.org/presentationml/2006/main">
+  <p:cSld>
+    <p:spTree>
+      <p:nvGrpSpPr>
+        <p:cNvPr id="1" name=""/>
+        <p:cNvGrpSpPr/>
+        <p:nvPr/>
+      </p:nvGrpSpPr>
+      <p:grpSpPr>
+        <a:xfrm>
+          <a:off x="0" y="0"/>
+          <a:ext cx="0" cy="0"/>
+          <a:chOff x="0" y="0"/>
+          <a:chExt cx="0" cy="0"/>
+        </a:xfrm>
+      </p:grpSpPr>
+      <p:sp>
+        <p:nvSpPr>
+          <p:cNvPr id="4" name="슬라이드 번호 개체 틀 3">
+            <a:extLst>
+              <a:ext uri="{FF2B5EF4-FFF2-40B4-BE49-F238E27FC236}">
+                <a16:creationId xmlns:a16="http://schemas.microsoft.com/office/drawing/2014/main" id="{2F263E82-C505-E2E5-CF58-A44B8B1ECBF8}"/>
+              </a:ext>
+            </a:extLst>
+          </p:cNvPr>
+          <p:cNvSpPr>
+            <a:spLocks noGrp="1"/>
+          </p:cNvSpPr>
+          <p:nvPr>
+            <p:ph type="sldNum" sz="quarter" idx="12"/>
+          </p:nvPr>
+        </p:nvSpPr>
+        <p:spPr/>
+        <p:txBody>
+          <a:bodyPr/>
+          <a:lstStyle/>
+          <a:p>
+            <a:pPr rtl="0"/>
+            <a:fld id="{A65A5C87-DF58-40C8-B092-1DE63DB4547E}" type="slidenum">
+              <a:rPr lang="en-US" smtClean="0"/>
+              <a:t>4</a:t>
+            </a:fld>
+            <a:endParaRPr lang="en-US" dirty="0"/>
+          </a:p>
+        </p:txBody>
+      </p:sp>
+      <p:pic>
+        <p:nvPicPr>
+          <p:cNvPr id="6" name="그림 5" descr="텍스트, 스크린샷, 로고, 폰트이(가) 표시된 사진&#10;&#10;자동 생성된 설명">
+            <a:extLst>
+              <a:ext uri="{FF2B5EF4-FFF2-40B4-BE49-F238E27FC236}">
+                <a16:creationId xmlns:a16="http://schemas.microsoft.com/office/drawing/2014/main" id="{54812386-5A10-99C1-83CA-D022BB74766F}"/>
+              </a:ext>
+            </a:extLst>
+          </p:cNvPr>
+          <p:cNvPicPr>
+            <a:picLocks noChangeAspect="1"/>
+          </p:cNvPicPr>
+          <p:nvPr/>
+        </p:nvPicPr>
+        <p:blipFill rotWithShape="1">
+          <a:blip r:embed="rId4"/>
+          <a:srcRect l="55555" t="1" r="16945" b="122"/>
+          <a:stretch/>
+        </p:blipFill>
+        <p:spPr>
+          <a:xfrm rot="16200000">
+            <a:off x="5153024" y="-3901678"/>
+            <a:ext cx="1885949" cy="9689306"/>
+          </a:xfrm>
+          <a:prstGeom prst="rect">
+            <a:avLst/>
+          </a:prstGeom>
+        </p:spPr>
+      </p:pic>
+      <p:graphicFrame>
+        <p:nvGraphicFramePr>
+          <p:cNvPr id="8" name="표 7">
+            <a:extLst>
+              <a:ext uri="{FF2B5EF4-FFF2-40B4-BE49-F238E27FC236}">
+                <a16:creationId xmlns:a16="http://schemas.microsoft.com/office/drawing/2014/main" id="{EAA7FF9B-508C-093E-7233-777B5D85C9E4}"/>
+              </a:ext>
+            </a:extLst>
+          </p:cNvPr>
+          <p:cNvGraphicFramePr>
+            <a:graphicFrameLocks noGrp="1"/>
+          </p:cNvGraphicFramePr>
+          <p:nvPr>
+            <p:extLst>
+              <p:ext uri="{D42A27DB-BD31-4B8C-83A1-F6EECF244321}">
+                <p14:modId xmlns:p14="http://schemas.microsoft.com/office/powerpoint/2010/main" val="4276588274"/>
+              </p:ext>
+            </p:extLst>
+          </p:nvPr>
+        </p:nvGraphicFramePr>
+        <p:xfrm>
+          <a:off x="2031998" y="2319656"/>
+          <a:ext cx="8128000" cy="2966720"/>
+        </p:xfrm>
+        <a:graphic>
+          <a:graphicData uri="http://schemas.openxmlformats.org/drawingml/2006/table">
+            <a:tbl>
+              <a:tblPr firstRow="1" bandRow="1">
+                <a:tableStyleId>{3B4B98B0-60AC-42C2-AFA5-B58CD77FA1E5}</a:tableStyleId>
+              </a:tblPr>
+              <a:tblGrid>
+                <a:gridCol w="1139827">
+                  <a:extLst>
+                    <a:ext uri="{9D8B030D-6E8A-4147-A177-3AD203B41FA5}">
+                      <a16:colId xmlns:a16="http://schemas.microsoft.com/office/drawing/2014/main" val="812162925"/>
+                    </a:ext>
+                  </a:extLst>
+                </a:gridCol>
+                <a:gridCol w="6988173">
+                  <a:extLst>
+                    <a:ext uri="{9D8B030D-6E8A-4147-A177-3AD203B41FA5}">
+                      <a16:colId xmlns:a16="http://schemas.microsoft.com/office/drawing/2014/main" val="3415231858"/>
+                    </a:ext>
+                  </a:extLst>
+                </a:gridCol>
+              </a:tblGrid>
+              <a:tr h="370840">
+                <a:tc>
+                  <a:txBody>
+                    <a:bodyPr/>
+                    <a:lstStyle/>
+                    <a:p>
+                      <a:pPr latinLnBrk="1"/>
+                      <a:r>
+                        <a:rPr lang="en-US" altLang="ko-KR" dirty="0"/>
+                        <a:t>1</a:t>
+                      </a:r>
+                      <a:r>
+                        <a:rPr lang="ko-KR" altLang="en-US" dirty="0"/>
+                        <a:t>주차</a:t>
+                      </a:r>
+                    </a:p>
+                  </a:txBody>
+                  <a:tcPr/>
+                </a:tc>
+                <a:tc>
+                  <a:txBody>
+                    <a:bodyPr/>
+                    <a:lstStyle/>
+                    <a:p>
+                      <a:pPr latinLnBrk="1"/>
+                      <a:r>
+                        <a:rPr lang="ko-KR" altLang="en-US" dirty="0"/>
+                        <a:t>골대 패턴 구상하기</a:t>
+                      </a:r>
+                    </a:p>
+                  </a:txBody>
+                  <a:tcPr/>
+                </a:tc>
+                <a:extLst>
+                  <a:ext uri="{0D108BD9-81ED-4DB2-BD59-A6C34878D82A}">
+                    <a16:rowId xmlns:a16="http://schemas.microsoft.com/office/drawing/2014/main" val="2084408025"/>
+                  </a:ext>
+                </a:extLst>
+              </a:tr>
+              <a:tr h="370840">
+                <a:tc>
+                  <a:txBody>
+                    <a:bodyPr/>
+                    <a:lstStyle/>
+                    <a:p>
+                      <a:pPr latinLnBrk="1"/>
+                      <a:r>
+                        <a:rPr lang="en-US" altLang="ko-KR" dirty="0"/>
+                        <a:t>2</a:t>
+                      </a:r>
+                      <a:r>
+                        <a:rPr lang="ko-KR" altLang="en-US" dirty="0"/>
+                        <a:t>주차</a:t>
+                      </a:r>
+                    </a:p>
+                  </a:txBody>
+                  <a:tcPr/>
+                </a:tc>
+                <a:tc>
+                  <a:txBody>
+                    <a:bodyPr/>
+                    <a:lstStyle/>
+                    <a:p>
+                      <a:pPr latinLnBrk="1"/>
+                      <a:r>
+                        <a:rPr lang="ko-KR" altLang="en-US" dirty="0"/>
+                        <a:t>리소스 찾기 및 만들기</a:t>
+                      </a:r>
+                    </a:p>
+                  </a:txBody>
+                  <a:tcPr/>
+                </a:tc>
+                <a:extLst>
+                  <a:ext uri="{0D108BD9-81ED-4DB2-BD59-A6C34878D82A}">
+                    <a16:rowId xmlns:a16="http://schemas.microsoft.com/office/drawing/2014/main" val="3460639475"/>
+                  </a:ext>
+                </a:extLst>
+              </a:tr>
+              <a:tr h="370840">
+                <a:tc>
+                  <a:txBody>
+                    <a:bodyPr/>
+                    <a:lstStyle/>
+                    <a:p>
+                      <a:pPr latinLnBrk="1"/>
+                      <a:r>
+                        <a:rPr lang="en-US" altLang="ko-KR" dirty="0"/>
+                        <a:t>3</a:t>
+                      </a:r>
+                      <a:r>
+                        <a:rPr lang="ko-KR" altLang="en-US" dirty="0"/>
+                        <a:t>주차</a:t>
+                      </a:r>
+                    </a:p>
+                  </a:txBody>
+                  <a:tcPr/>
+                </a:tc>
+                <a:tc>
+                  <a:txBody>
+                    <a:bodyPr/>
+                    <a:lstStyle/>
+                    <a:p>
+                      <a:pPr latinLnBrk="1"/>
+                      <a:r>
+                        <a:rPr lang="ko-KR" altLang="en-US" dirty="0"/>
+                        <a:t>공의 움직임 구현</a:t>
+                      </a:r>
+                    </a:p>
+                  </a:txBody>
+                  <a:tcPr/>
+                </a:tc>
+                <a:extLst>
+                  <a:ext uri="{0D108BD9-81ED-4DB2-BD59-A6C34878D82A}">
+                    <a16:rowId xmlns:a16="http://schemas.microsoft.com/office/drawing/2014/main" val="2497998308"/>
+                  </a:ext>
+                </a:extLst>
+              </a:tr>
+              <a:tr h="370840">
+                <a:tc>
+                  <a:txBody>
+                    <a:bodyPr/>
+                    <a:lstStyle/>
+                    <a:p>
+                      <a:pPr latinLnBrk="1"/>
+                      <a:r>
+                        <a:rPr lang="en-US" altLang="ko-KR" dirty="0"/>
+                        <a:t>4</a:t>
+                      </a:r>
+                      <a:r>
+                        <a:rPr lang="ko-KR" altLang="en-US" dirty="0"/>
+                        <a:t>주차</a:t>
+                      </a:r>
+                    </a:p>
+                  </a:txBody>
+                  <a:tcPr/>
+                </a:tc>
+                <a:tc>
+                  <a:txBody>
+                    <a:bodyPr/>
+                    <a:lstStyle/>
+                    <a:p>
+                      <a:pPr latinLnBrk="1"/>
+                      <a:r>
+                        <a:rPr lang="ko-KR" altLang="en-US" dirty="0"/>
+                        <a:t>골대 패턴 구현하기</a:t>
+                      </a:r>
+                    </a:p>
+                  </a:txBody>
+                  <a:tcPr/>
+                </a:tc>
+                <a:extLst>
+                  <a:ext uri="{0D108BD9-81ED-4DB2-BD59-A6C34878D82A}">
+                    <a16:rowId xmlns:a16="http://schemas.microsoft.com/office/drawing/2014/main" val="536807548"/>
+                  </a:ext>
+                </a:extLst>
+              </a:tr>
+              <a:tr h="370840">
+                <a:tc>
+                  <a:txBody>
+                    <a:bodyPr/>
+                    <a:lstStyle/>
+                    <a:p>
+                      <a:pPr latinLnBrk="1"/>
+                      <a:r>
+                        <a:rPr lang="en-US" altLang="ko-KR" dirty="0"/>
+                        <a:t>5</a:t>
+                      </a:r>
+                      <a:r>
+                        <a:rPr lang="ko-KR" altLang="en-US" dirty="0"/>
+                        <a:t>주차</a:t>
+                      </a:r>
+                    </a:p>
+                  </a:txBody>
+                  <a:tcPr/>
+                </a:tc>
+                <a:tc>
+                  <a:txBody>
+                    <a:bodyPr/>
+                    <a:lstStyle/>
+                    <a:p>
+                      <a:pPr latinLnBrk="1"/>
+                      <a:r>
+                        <a:rPr lang="ko-KR" altLang="en-US" dirty="0"/>
+                        <a:t>마우스로 공 움직이기</a:t>
+                      </a:r>
+                    </a:p>
+                  </a:txBody>
+                  <a:tcPr/>
+                </a:tc>
+                <a:extLst>
+                  <a:ext uri="{0D108BD9-81ED-4DB2-BD59-A6C34878D82A}">
+                    <a16:rowId xmlns:a16="http://schemas.microsoft.com/office/drawing/2014/main" val="679540339"/>
+                  </a:ext>
+                </a:extLst>
+              </a:tr>
+              <a:tr h="370840">
+                <a:tc>
+                  <a:txBody>
+                    <a:bodyPr/>
+                    <a:lstStyle/>
+                    <a:p>
+                      <a:pPr latinLnBrk="1"/>
+                      <a:r>
+                        <a:rPr lang="en-US" altLang="ko-KR" dirty="0"/>
+                        <a:t>6</a:t>
+                      </a:r>
+                      <a:r>
+                        <a:rPr lang="ko-KR" altLang="en-US" dirty="0"/>
+                        <a:t>주차</a:t>
+                      </a:r>
+                    </a:p>
+                  </a:txBody>
+                  <a:tcPr/>
+                </a:tc>
+                <a:tc>
+                  <a:txBody>
+                    <a:bodyPr/>
+                    <a:lstStyle/>
+                    <a:p>
+                      <a:pPr latinLnBrk="1"/>
+                      <a:r>
+                        <a:rPr lang="ko-KR" altLang="en-US" dirty="0"/>
+                        <a:t>골대와 공의 상호작용 구현</a:t>
+                      </a:r>
+                    </a:p>
+                  </a:txBody>
+                  <a:tcPr/>
+                </a:tc>
+                <a:extLst>
+                  <a:ext uri="{0D108BD9-81ED-4DB2-BD59-A6C34878D82A}">
+                    <a16:rowId xmlns:a16="http://schemas.microsoft.com/office/drawing/2014/main" val="2544745727"/>
+                  </a:ext>
+                </a:extLst>
+              </a:tr>
+              <a:tr h="370840">
+                <a:tc>
+                  <a:txBody>
+                    <a:bodyPr/>
+                    <a:lstStyle/>
+                    <a:p>
+                      <a:pPr latinLnBrk="1"/>
+                      <a:r>
+                        <a:rPr lang="en-US" altLang="ko-KR" dirty="0"/>
+                        <a:t>7</a:t>
+                      </a:r>
+                      <a:r>
+                        <a:rPr lang="ko-KR" altLang="en-US" dirty="0"/>
+                        <a:t>주차</a:t>
+                      </a:r>
+                    </a:p>
+                  </a:txBody>
+                  <a:tcPr/>
+                </a:tc>
+                <a:tc>
+                  <a:txBody>
+                    <a:bodyPr/>
+                    <a:lstStyle/>
+                    <a:p>
+                      <a:pPr latinLnBrk="1"/>
+                      <a:r>
+                        <a:rPr lang="ko-KR" altLang="en-US" dirty="0"/>
+                        <a:t>점수 및 타이머 구현</a:t>
+                      </a:r>
+                    </a:p>
+                  </a:txBody>
+                  <a:tcPr/>
+                </a:tc>
+                <a:extLst>
+                  <a:ext uri="{0D108BD9-81ED-4DB2-BD59-A6C34878D82A}">
+                    <a16:rowId xmlns:a16="http://schemas.microsoft.com/office/drawing/2014/main" val="1409885305"/>
+                  </a:ext>
+                </a:extLst>
+              </a:tr>
+              <a:tr h="370840">
+                <a:tc>
+                  <a:txBody>
+                    <a:bodyPr/>
+                    <a:lstStyle/>
+                    <a:p>
+                      <a:pPr latinLnBrk="1"/>
+                      <a:r>
+                        <a:rPr lang="en-US" altLang="ko-KR" dirty="0"/>
+                        <a:t>8</a:t>
+                      </a:r>
+                      <a:r>
+                        <a:rPr lang="ko-KR" altLang="en-US" dirty="0"/>
+                        <a:t>주차</a:t>
+                      </a:r>
+                    </a:p>
+                  </a:txBody>
+                  <a:tcPr/>
+                </a:tc>
+                <a:tc>
+                  <a:txBody>
+                    <a:bodyPr/>
+                    <a:lstStyle/>
+                    <a:p>
+                      <a:pPr latinLnBrk="1"/>
+                      <a:r>
+                        <a:rPr lang="ko-KR" altLang="en-US" dirty="0"/>
+                        <a:t>오류 수정</a:t>
+                      </a:r>
+                    </a:p>
+                  </a:txBody>
+                  <a:tcPr/>
+                </a:tc>
+                <a:extLst>
+                  <a:ext uri="{0D108BD9-81ED-4DB2-BD59-A6C34878D82A}">
+                    <a16:rowId xmlns:a16="http://schemas.microsoft.com/office/drawing/2014/main" val="4164058656"/>
+                  </a:ext>
+                </a:extLst>
+              </a:tr>
+            </a:tbl>
+          </a:graphicData>
+        </a:graphic>
+      </p:graphicFrame>
+      <p:pic>
+        <p:nvPicPr>
+          <p:cNvPr id="39" name="오디오 38">
+            <a:hlinkClick r:id="" action="ppaction://media"/>
+            <a:extLst>
+              <a:ext uri="{FF2B5EF4-FFF2-40B4-BE49-F238E27FC236}">
+                <a16:creationId xmlns:a16="http://schemas.microsoft.com/office/drawing/2014/main" id="{EC90AD4D-67CC-27A4-0CD6-5EE7C28793BD}"/>
+              </a:ext>
+            </a:extLst>
+          </p:cNvPr>
+          <p:cNvPicPr>
+            <a:picLocks noChangeAspect="1"/>
+          </p:cNvPicPr>
+          <p:nvPr>
+            <a:audioFile r:link="rId2"/>
+            <p:extLst>
+              <p:ext uri="{DAA4B4D4-6D71-4841-9C94-3DE7FCFB9230}">
+                <p14:media xmlns:p14="http://schemas.microsoft.com/office/powerpoint/2010/main" r:embed="rId1"/>
+              </p:ext>
+            </p:extLst>
+          </p:nvPr>
+        </p:nvPicPr>
+        <p:blipFill>
+          <a:blip r:embed="rId5"/>
+          <a:srcRect l="-118750" t="-118750" r="-118750" b="-118750"/>
+          <a:stretch>
+            <a:fillRect/>
+          </a:stretch>
+        </p:blipFill>
+        <p:spPr>
+          <a:xfrm>
+            <a:off x="10052304" y="4718304"/>
+            <a:ext cx="2057400" cy="2057400"/>
+          </a:xfrm>
+          <a:prstGeom prst="ellipse">
+            <a:avLst/>
+          </a:prstGeom>
+        </p:spPr>
+      </p:pic>
+    </p:spTree>
+    <p:extLst>
+      <p:ext uri="{BB962C8B-B14F-4D97-AF65-F5344CB8AC3E}">
+        <p14:creationId xmlns:p14="http://schemas.microsoft.com/office/powerpoint/2010/main" val="520793802"/>
+      </p:ext>
+    </p:extLst>
+  </p:cSld>
+  <p:clrMapOvr>
+    <a:masterClrMapping/>
+  </p:clrMapOvr>
+  <mc:AlternateContent xmlns:mc="http://schemas.openxmlformats.org/markup-compatibility/2006" xmlns:p14="http://schemas.microsoft.com/office/powerpoint/2010/main">
+    <mc:Choice Requires="p14">
+      <p:transition spd="slow" p14:dur="2000" advTm="28409"/>
+    </mc:Choice>
+    <mc:Fallback xmlns="">
+      <p:transition spd="slow" advTm="28409"/>
+    </mc:Fallback>
+  </mc:AlternateContent>
+  <p:timing>
+    <p:tnLst>
+      <p:par>
+        <p:cTn id="1" dur="indefinite" restart="never" nodeType="tmRoot">
+          <p:childTnLst>
+            <p:seq concurrent="1" nextAc="seek">
+              <p:cTn id="2" dur="indefinite" nodeType="mainSeq">
+                <p:childTnLst>
+                  <p:par>
+                    <p:cTn id="3" fill="hold">
+                      <p:stCondLst>
+                        <p:cond delay="indefinite"/>
+                        <p:cond evt="onBegin" delay="0">
+                          <p:tn val="2"/>
+                        </p:cond>
+                      </p:stCondLst>
+                      <p:childTnLst>
+                        <p:par>
+                          <p:cTn id="4" fill="hold">
+                            <p:stCondLst>
+                              <p:cond delay="0"/>
+                            </p:stCondLst>
+                            <p:childTnLst>
+                              <p:par>
+                                <p:cTn id="5" presetID="1" presetClass="mediacall" presetSubtype="0" fill="hold" nodeType="afterEffect">
+                                  <p:stCondLst>
+                                    <p:cond delay="0"/>
+                                  </p:stCondLst>
+                                  <p:childTnLst>
+                                    <p:cmd type="call" cmd="playFrom(0.0)">
+                                      <p:cBhvr>
+                                        <p:cTn id="6" dur="1" fill="hold"/>
+                                        <p:tgtEl>
+                                          <p:spTgt spid="39"/>
+                                        </p:tgtEl>
+                                      </p:cBhvr>
+                                    </p:cmd>
+                                  </p:childTnLst>
+                                </p:cTn>
+                              </p:par>
+                            </p:childTnLst>
+                          </p:cTn>
+                        </p:par>
+                      </p:childTnLst>
+                    </p:cTn>
+                  </p:par>
+                </p:childTnLst>
+              </p:cTn>
+              <p:prevCondLst>
+                <p:cond evt="onPrev" delay="0">
+                  <p:tgtEl>
+                    <p:sldTgt/>
+                  </p:tgtEl>
+                </p:cond>
+              </p:prevCondLst>
+              <p:nextCondLst>
+                <p:cond evt="onNext" delay="0">
+                  <p:tgtEl>
+                    <p:sldTgt/>
+                  </p:tgtEl>
+                </p:cond>
+              </p:nextCondLst>
+            </p:seq>
+            <p:audio isNarration="1">
+              <p:cMediaNode vol="80000" showWhenStopped="0">
+                <p:cTn id="7" fill="hold" display="0">
+                  <p:stCondLst>
+                    <p:cond delay="indefinite"/>
+                  </p:stCondLst>
+                  <p:endCondLst>
+                    <p:cond evt="onStopAudio" delay="0">
+                      <p:tgtEl>
+                        <p:sldTgt/>
+                      </p:tgtEl>
+                    </p:cond>
+                  </p:endCondLst>
+                </p:cTn>
+                <p:tgtEl>
+                  <p:spTgt spid="39"/>
+                </p:tgtEl>
+              </p:cMediaNode>
+            </p:audio>
+          </p:childTnLst>
+        </p:cTn>
+      </p:par>
+    </p:tnLst>
+  </p:timing>
+</p:sld>
+</file>
+
+<file path=ppt/slides/slide5.xml><?xml version="1.0" encoding="utf-8"?>
+<p:sld xmlns:a="http://schemas.openxmlformats.org/drawingml/2006/main" xmlns:r="http://schemas.openxmlformats.org/officeDocument/2006/relationships" xmlns:p="http://schemas.openxmlformats.org/presentationml/2006/main">
+  <p:cSld>
+    <p:spTree>
+      <p:nvGrpSpPr>
+        <p:cNvPr id="1" name=""/>
+        <p:cNvGrpSpPr/>
+        <p:nvPr/>
+      </p:nvGrpSpPr>
+      <p:grpSpPr>
+        <a:xfrm>
+          <a:off x="0" y="0"/>
+          <a:ext cx="0" cy="0"/>
+          <a:chOff x="0" y="0"/>
+          <a:chExt cx="0" cy="0"/>
+        </a:xfrm>
+      </p:grpSpPr>
+      <p:sp>
+        <p:nvSpPr>
+          <p:cNvPr id="2" name="날짜 개체 틀 1">
+            <a:extLst>
+              <a:ext uri="{FF2B5EF4-FFF2-40B4-BE49-F238E27FC236}">
+                <a16:creationId xmlns:a16="http://schemas.microsoft.com/office/drawing/2014/main" id="{AA325A79-541A-6D09-DF49-1A50443ED63E}"/>
+              </a:ext>
+            </a:extLst>
+          </p:cNvPr>
+          <p:cNvSpPr>
+            <a:spLocks noGrp="1"/>
+          </p:cNvSpPr>
+          <p:nvPr>
+            <p:ph type="dt" sz="half" idx="10"/>
+          </p:nvPr>
+        </p:nvSpPr>
+        <p:spPr/>
+        <p:txBody>
+          <a:bodyPr/>
+          <a:lstStyle/>
+          <a:p>
+            <a:pPr rtl="0"/>
+            <a:r>
+              <a:rPr lang="ko"/>
+              <a:t>9/4/20XX</a:t>
+            </a:r>
+          </a:p>
+        </p:txBody>
+      </p:sp>
+      <p:sp>
+        <p:nvSpPr>
+          <p:cNvPr id="3" name="바닥글 개체 틀 2">
+            <a:extLst>
+              <a:ext uri="{FF2B5EF4-FFF2-40B4-BE49-F238E27FC236}">
+                <a16:creationId xmlns:a16="http://schemas.microsoft.com/office/drawing/2014/main" id="{A3B71D98-5973-AEE8-5C97-431F550C6F4B}"/>
+              </a:ext>
+            </a:extLst>
+          </p:cNvPr>
+          <p:cNvSpPr>
+            <a:spLocks noGrp="1"/>
+          </p:cNvSpPr>
+          <p:nvPr>
+            <p:ph type="ftr" sz="quarter" idx="11"/>
+          </p:nvPr>
+        </p:nvSpPr>
+        <p:spPr/>
+        <p:txBody>
+          <a:bodyPr/>
+          <a:lstStyle/>
+          <a:p>
+            <a:pPr rtl="0"/>
+            <a:r>
+              <a:rPr lang="ko"/>
+              <a:t>프레젠테이션 제목</a:t>
+            </a:r>
+          </a:p>
+        </p:txBody>
+      </p:sp>
+      <p:sp>
+        <p:nvSpPr>
+          <p:cNvPr id="4" name="슬라이드 번호 개체 틀 3">
+            <a:extLst>
+              <a:ext uri="{FF2B5EF4-FFF2-40B4-BE49-F238E27FC236}">
+                <a16:creationId xmlns:a16="http://schemas.microsoft.com/office/drawing/2014/main" id="{4919977A-BECE-F8A5-F89F-BAD338AF048A}"/>
+              </a:ext>
+            </a:extLst>
+          </p:cNvPr>
+          <p:cNvSpPr>
+            <a:spLocks noGrp="1"/>
+          </p:cNvSpPr>
+          <p:nvPr>
+            <p:ph type="sldNum" sz="quarter" idx="12"/>
+          </p:nvPr>
+        </p:nvSpPr>
+        <p:spPr/>
+        <p:txBody>
+          <a:bodyPr/>
+          <a:lstStyle/>
+          <a:p>
+            <a:pPr rtl="0"/>
+            <a:fld id="{A65A5C87-DF58-40C8-B092-1DE63DB4547E}" type="slidenum">
+              <a:rPr lang="en-US" smtClean="0"/>
+              <a:t>5</a:t>
+            </a:fld>
+            <a:endParaRPr lang="en-US" dirty="0"/>
+          </a:p>
+        </p:txBody>
+      </p:sp>
+      <p:pic>
+        <p:nvPicPr>
+          <p:cNvPr id="8" name="그림 7">
+            <a:extLst>
+              <a:ext uri="{FF2B5EF4-FFF2-40B4-BE49-F238E27FC236}">
+                <a16:creationId xmlns:a16="http://schemas.microsoft.com/office/drawing/2014/main" id="{FC5155F3-9F21-36F3-96A4-0834869D28D1}"/>
+              </a:ext>
+            </a:extLst>
+          </p:cNvPr>
+          <p:cNvPicPr>
+            <a:picLocks noChangeAspect="1"/>
+          </p:cNvPicPr>
+          <p:nvPr/>
+        </p:nvPicPr>
+        <p:blipFill>
+          <a:blip r:embed="rId2"/>
+          <a:stretch>
+            <a:fillRect/>
+          </a:stretch>
+        </p:blipFill>
+        <p:spPr>
+          <a:xfrm>
+            <a:off x="303229" y="204608"/>
+            <a:ext cx="11585542" cy="6516867"/>
+          </a:xfrm>
+          <a:prstGeom prst="rect">
+            <a:avLst/>
+          </a:prstGeom>
+        </p:spPr>
+      </p:pic>
+    </p:spTree>
+    <p:extLst>
+      <p:ext uri="{BB962C8B-B14F-4D97-AF65-F5344CB8AC3E}">
+        <p14:creationId xmlns:p14="http://schemas.microsoft.com/office/powerpoint/2010/main" val="2788977326"/>
+      </p:ext>
+    </p:extLst>
+  </p:cSld>
+  <p:clrMapOvr>
+    <a:masterClrMapping/>
+  </p:clrMapOvr>
 </p:sld>
 </file>
 
@@ -11849,21 +12260,21 @@
 </file>
 
 <file path=customXml/item2.xml><?xml version="1.0" encoding="utf-8"?>
+<p:properties xmlns:p="http://schemas.microsoft.com/office/2006/metadata/properties" xmlns:xsi="http://www.w3.org/2001/XMLSchema-instance" xmlns:pc="http://schemas.microsoft.com/office/infopath/2007/PartnerControls">
+  <documentManagement>
+    <Status xmlns="71af3243-3dd4-4a8d-8c0d-dd76da1f02a5">Not started</Status>
+    <MediaServiceKeyPoints xmlns="71af3243-3dd4-4a8d-8c0d-dd76da1f02a5" xsi:nil="true"/>
+  </documentManagement>
+</p:properties>
+</file>
+
+<file path=customXml/item3.xml><?xml version="1.0" encoding="utf-8"?>
 <?mso-contentType ?>
 <FormTemplates xmlns="http://schemas.microsoft.com/sharepoint/v3/contenttype/forms">
   <Display>DocumentLibraryForm</Display>
   <Edit>DocumentLibraryForm</Edit>
   <New>DocumentLibraryForm</New>
 </FormTemplates>
-</file>
-
-<file path=customXml/item3.xml><?xml version="1.0" encoding="utf-8"?>
-<p:properties xmlns:p="http://schemas.microsoft.com/office/2006/metadata/properties" xmlns:xsi="http://www.w3.org/2001/XMLSchema-instance" xmlns:pc="http://schemas.microsoft.com/office/infopath/2007/PartnerControls">
-  <documentManagement>
-    <Status xmlns="71af3243-3dd4-4a8d-8c0d-dd76da1f02a5">Not started</Status>
-    <MediaServiceKeyPoints xmlns="71af3243-3dd4-4a8d-8c0d-dd76da1f02a5" xsi:nil="true"/>
-  </documentManagement>
-</p:properties>
 </file>
 
 <file path=customXml/itemProps1.xml><?xml version="1.0" encoding="utf-8"?>
@@ -11886,14 +12297,6 @@
 </file>
 
 <file path=customXml/itemProps2.xml><?xml version="1.0" encoding="utf-8"?>
-<ds:datastoreItem xmlns:ds="http://schemas.openxmlformats.org/officeDocument/2006/customXml" ds:itemID="{B927DC71-2909-427C-BDB0-3E47E2101517}">
-  <ds:schemaRefs>
-    <ds:schemaRef ds:uri="http://schemas.microsoft.com/sharepoint/v3/contenttype/forms"/>
-  </ds:schemaRefs>
-</ds:datastoreItem>
-</file>
-
-<file path=customXml/itemProps3.xml><?xml version="1.0" encoding="utf-8"?>
 <ds:datastoreItem xmlns:ds="http://schemas.openxmlformats.org/officeDocument/2006/customXml" ds:itemID="{290D7697-8E53-4EA8-8CBB-9C19575257BF}">
   <ds:schemaRefs>
     <ds:schemaRef ds:uri="http://schemas.microsoft.com/office/2006/metadata/properties"/>
@@ -11901,4 +12304,12 @@
     <ds:schemaRef ds:uri="71af3243-3dd4-4a8d-8c0d-dd76da1f02a5"/>
   </ds:schemaRefs>
 </ds:datastoreItem>
+</file>
+
+<file path=customXml/itemProps3.xml><?xml version="1.0" encoding="utf-8"?>
+<ds:datastoreItem xmlns:ds="http://schemas.openxmlformats.org/officeDocument/2006/customXml" ds:itemID="{B927DC71-2909-427C-BDB0-3E47E2101517}">
+  <ds:schemaRefs>
+    <ds:schemaRef ds:uri="http://schemas.microsoft.com/sharepoint/v3/contenttype/forms"/>
+  </ds:schemaRefs>
+</ds:datastoreItem>
 </file>
--- a/발표/BASKET BALL KING.pptx
+++ b/발표/BASKET BALL KING.pptx
@@ -13,9 +13,9 @@
   <p:sldIdLst>
     <p:sldId id="281" r:id="rId5"/>
     <p:sldId id="283" r:id="rId6"/>
-    <p:sldId id="284" r:id="rId7"/>
-    <p:sldId id="286" r:id="rId8"/>
-    <p:sldId id="285" r:id="rId9"/>
+    <p:sldId id="285" r:id="rId7"/>
+    <p:sldId id="284" r:id="rId8"/>
+    <p:sldId id="286" r:id="rId9"/>
   </p:sldIdLst>
   <p:sldSz cx="12192000" cy="6858000"/>
   <p:notesSz cx="6858000" cy="9144000"/>
@@ -9502,11 +9502,11 @@
       </p:sp>
       <p:pic>
         <p:nvPicPr>
-          <p:cNvPr id="24" name="오디오 23">
+          <p:cNvPr id="18" name="오디오 17">
             <a:hlinkClick r:id="" action="ppaction://media"/>
             <a:extLst>
               <a:ext uri="{FF2B5EF4-FFF2-40B4-BE49-F238E27FC236}">
-                <a16:creationId xmlns:a16="http://schemas.microsoft.com/office/drawing/2014/main" id="{EA098263-9B6F-B6E1-F780-CA84EE2C3651}"/>
+                <a16:creationId xmlns:a16="http://schemas.microsoft.com/office/drawing/2014/main" id="{A0323393-A71E-BF69-0A6B-CCA2315ECB9F}"/>
               </a:ext>
             </a:extLst>
           </p:cNvPr>
@@ -9549,12 +9549,12 @@
   <p:clrMapOvr>
     <a:masterClrMapping/>
   </p:clrMapOvr>
-  <mc:AlternateContent xmlns:mc="http://schemas.openxmlformats.org/markup-compatibility/2006" xmlns:p14="http://schemas.microsoft.com/office/powerpoint/2010/main">
-    <mc:Choice Requires="p14">
-      <p:transition spd="slow" p14:dur="2000" advTm="11653"/>
+  <mc:AlternateContent xmlns:mc="http://schemas.openxmlformats.org/markup-compatibility/2006">
+    <mc:Choice xmlns:p14="http://schemas.microsoft.com/office/powerpoint/2010/main" Requires="p14">
+      <p:transition spd="slow" p14:dur="2000" advTm="7752"/>
     </mc:Choice>
-    <mc:Fallback xmlns="">
-      <p:transition spd="slow" advTm="11653"/>
+    <mc:Fallback>
+      <p:transition spd="slow" advTm="7752"/>
     </mc:Fallback>
   </mc:AlternateContent>
   <p:timing>
@@ -9590,7 +9590,7 @@
                                       <p:cBhvr>
                                         <p:cTn id="6" dur="1" fill="hold"/>
                                         <p:tgtEl>
-                                          <p:spTgt spid="24"/>
+                                          <p:spTgt spid="18"/>
                                         </p:tgtEl>
                                       </p:cBhvr>
                                     </p:cmd>
@@ -9635,7 +9635,7 @@
                   </p:endCondLst>
                 </p:cTn>
                 <p:tgtEl>
-                  <p:spTgt spid="24"/>
+                  <p:spTgt spid="18"/>
                 </p:tgtEl>
               </p:cMediaNode>
             </p:audio>
@@ -9692,7 +9692,66 @@
           </a:bodyPr>
           <a:lstStyle/>
           <a:p>
-            <a:endParaRPr lang="en-US" dirty="0"/>
+            <a:r>
+              <a:rPr lang="ko-KR" altLang="en-US" sz="1400" dirty="0"/>
+              <a:t>변경사항</a:t>
+            </a:r>
+            <a:endParaRPr lang="en-US" altLang="ko-KR" sz="1400" dirty="0"/>
+          </a:p>
+          <a:p>
+            <a:r>
+              <a:rPr lang="en-US" sz="1400" dirty="0"/>
+              <a:t>- </a:t>
+            </a:r>
+            <a:r>
+              <a:rPr lang="ko-KR" altLang="en-US" sz="1400" dirty="0"/>
+              <a:t>스코어가 올라가면 장소가 바뀜</a:t>
+            </a:r>
+            <a:endParaRPr lang="en-US" altLang="ko-KR" sz="1400" dirty="0"/>
+          </a:p>
+          <a:p>
+            <a:r>
+              <a:rPr lang="en-US" sz="1400" dirty="0"/>
+              <a:t>-</a:t>
+            </a:r>
+            <a:r>
+              <a:rPr lang="ko-KR" altLang="en-US" sz="1400" dirty="0"/>
+              <a:t>바뀐 장소에 따라 장애물 등장 예정 </a:t>
+            </a:r>
+            <a:r>
+              <a:rPr lang="en-US" altLang="ko-KR" sz="1400" dirty="0"/>
+              <a:t>(ex.</a:t>
+            </a:r>
+            <a:r>
+              <a:rPr lang="ko-KR" altLang="en-US" sz="1400" dirty="0"/>
+              <a:t>새</a:t>
+            </a:r>
+            <a:r>
+              <a:rPr lang="en-US" altLang="ko-KR" sz="1400" dirty="0"/>
+              <a:t>, </a:t>
+            </a:r>
+            <a:r>
+              <a:rPr lang="ko-KR" altLang="en-US" sz="1400" dirty="0"/>
+              <a:t>구름</a:t>
+            </a:r>
+            <a:r>
+              <a:rPr lang="en-US" altLang="ko-KR" sz="1400" dirty="0"/>
+              <a:t>)</a:t>
+            </a:r>
+          </a:p>
+          <a:p>
+            <a:r>
+              <a:rPr lang="en-US" sz="1400" dirty="0"/>
+              <a:t>-</a:t>
+            </a:r>
+            <a:r>
+              <a:rPr lang="ko-KR" altLang="en-US" sz="1400" dirty="0"/>
+              <a:t>공 스킨을 바꿀 수 있게 만들 예정</a:t>
+            </a:r>
+            <a:r>
+              <a:rPr lang="en-US" sz="1400" dirty="0"/>
+              <a:t> </a:t>
+            </a:r>
           </a:p>
         </p:txBody>
       </p:sp>
@@ -9744,11 +9803,41 @@
       </p:sp>
       <p:pic>
         <p:nvPicPr>
-          <p:cNvPr id="32" name="오디오 31">
+          <p:cNvPr id="5" name="그림 4" descr="직사각형, 스크린샷, 디자인이(가) 표시된 사진&#10;&#10;자동 생성된 설명">
+            <a:extLst>
+              <a:ext uri="{FF2B5EF4-FFF2-40B4-BE49-F238E27FC236}">
+                <a16:creationId xmlns:a16="http://schemas.microsoft.com/office/drawing/2014/main" id="{213768C5-89B2-8DC9-EE50-BDED6E1E6409}"/>
+              </a:ext>
+            </a:extLst>
+          </p:cNvPr>
+          <p:cNvPicPr>
+            <a:picLocks noChangeAspect="1"/>
+          </p:cNvPicPr>
+          <p:nvPr/>
+        </p:nvPicPr>
+        <p:blipFill>
+          <a:blip r:embed="rId5"/>
+          <a:stretch>
+            <a:fillRect/>
+          </a:stretch>
+        </p:blipFill>
+        <p:spPr>
+          <a:xfrm>
+            <a:off x="4818376" y="1181105"/>
+            <a:ext cx="6431261" cy="4314439"/>
+          </a:xfrm>
+          <a:prstGeom prst="rect">
+            <a:avLst/>
+          </a:prstGeom>
+        </p:spPr>
+      </p:pic>
+      <p:pic>
+        <p:nvPicPr>
+          <p:cNvPr id="15" name="오디오 14">
             <a:hlinkClick r:id="" action="ppaction://media"/>
             <a:extLst>
               <a:ext uri="{FF2B5EF4-FFF2-40B4-BE49-F238E27FC236}">
-                <a16:creationId xmlns:a16="http://schemas.microsoft.com/office/drawing/2014/main" id="{B84A23F8-CD43-9916-8ED0-B31EF96F35C1}"/>
+                <a16:creationId xmlns:a16="http://schemas.microsoft.com/office/drawing/2014/main" id="{27D47F3D-F0F6-E7EB-B601-B9F7C8D05BDD}"/>
               </a:ext>
             </a:extLst>
           </p:cNvPr>
@@ -9765,7 +9854,7 @@
           </p:nvPr>
         </p:nvPicPr>
         <p:blipFill>
-          <a:blip r:embed="rId5"/>
+          <a:blip r:embed="rId6"/>
           <a:srcRect l="-118750" t="-118750" r="-118750" b="-118750"/>
           <a:stretch>
             <a:fillRect/>
@@ -9777,36 +9866,6 @@
             <a:ext cx="2057400" cy="2057400"/>
           </a:xfrm>
           <a:prstGeom prst="ellipse">
-            <a:avLst/>
-          </a:prstGeom>
-        </p:spPr>
-      </p:pic>
-      <p:pic>
-        <p:nvPicPr>
-          <p:cNvPr id="5" name="그림 4" descr="직사각형, 스크린샷, 디자인이(가) 표시된 사진&#10;&#10;자동 생성된 설명">
-            <a:extLst>
-              <a:ext uri="{FF2B5EF4-FFF2-40B4-BE49-F238E27FC236}">
-                <a16:creationId xmlns:a16="http://schemas.microsoft.com/office/drawing/2014/main" id="{213768C5-89B2-8DC9-EE50-BDED6E1E6409}"/>
-              </a:ext>
-            </a:extLst>
-          </p:cNvPr>
-          <p:cNvPicPr>
-            <a:picLocks noChangeAspect="1"/>
-          </p:cNvPicPr>
-          <p:nvPr/>
-        </p:nvPicPr>
-        <p:blipFill>
-          <a:blip r:embed="rId6"/>
-          <a:stretch>
-            <a:fillRect/>
-          </a:stretch>
-        </p:blipFill>
-        <p:spPr>
-          <a:xfrm>
-            <a:off x="4818376" y="1181105"/>
-            <a:ext cx="6431261" cy="4314439"/>
-          </a:xfrm>
-          <a:prstGeom prst="rect">
             <a:avLst/>
           </a:prstGeom>
         </p:spPr>
@@ -9821,12 +9880,12 @@
   <p:clrMapOvr>
     <a:masterClrMapping/>
   </p:clrMapOvr>
-  <mc:AlternateContent xmlns:mc="http://schemas.openxmlformats.org/markup-compatibility/2006" xmlns:p14="http://schemas.microsoft.com/office/powerpoint/2010/main">
-    <mc:Choice Requires="p14">
-      <p:transition spd="slow" p14:dur="2000" advTm="25537"/>
+  <mc:AlternateContent xmlns:mc="http://schemas.openxmlformats.org/markup-compatibility/2006">
+    <mc:Choice xmlns:p14="http://schemas.microsoft.com/office/powerpoint/2010/main" Requires="p14">
+      <p:transition spd="slow" p14:dur="2000" advTm="34342"/>
     </mc:Choice>
-    <mc:Fallback xmlns="">
-      <p:transition spd="slow" advTm="25537"/>
+    <mc:Fallback>
+      <p:transition spd="slow" advTm="34342"/>
     </mc:Fallback>
   </mc:AlternateContent>
   <p:timing>
@@ -9862,7 +9921,7 @@
                                       <p:cBhvr>
                                         <p:cTn id="6" dur="1" fill="hold"/>
                                         <p:tgtEl>
-                                          <p:spTgt spid="32"/>
+                                          <p:spTgt spid="15"/>
                                         </p:tgtEl>
                                       </p:cBhvr>
                                     </p:cmd>
@@ -9907,7 +9966,7 @@
                   </p:endCondLst>
                 </p:cTn>
                 <p:tgtEl>
-                  <p:spTgt spid="32"/>
+                  <p:spTgt spid="15"/>
                 </p:tgtEl>
               </p:cMediaNode>
             </p:audio>
@@ -9938,10 +9997,68 @@
       </p:grpSpPr>
       <p:sp>
         <p:nvSpPr>
+          <p:cNvPr id="2" name="날짜 개체 틀 1">
+            <a:extLst>
+              <a:ext uri="{FF2B5EF4-FFF2-40B4-BE49-F238E27FC236}">
+                <a16:creationId xmlns:a16="http://schemas.microsoft.com/office/drawing/2014/main" id="{AA325A79-541A-6D09-DF49-1A50443ED63E}"/>
+              </a:ext>
+            </a:extLst>
+          </p:cNvPr>
+          <p:cNvSpPr>
+            <a:spLocks noGrp="1"/>
+          </p:cNvSpPr>
+          <p:nvPr>
+            <p:ph type="dt" sz="half" idx="10"/>
+          </p:nvPr>
+        </p:nvSpPr>
+        <p:spPr/>
+        <p:txBody>
+          <a:bodyPr/>
+          <a:lstStyle/>
+          <a:p>
+            <a:pPr rtl="0"/>
+            <a:r>
+              <a:rPr lang="ko"/>
+              <a:t>9/4/20XX</a:t>
+            </a:r>
+          </a:p>
+        </p:txBody>
+      </p:sp>
+      <p:sp>
+        <p:nvSpPr>
+          <p:cNvPr id="3" name="바닥글 개체 틀 2">
+            <a:extLst>
+              <a:ext uri="{FF2B5EF4-FFF2-40B4-BE49-F238E27FC236}">
+                <a16:creationId xmlns:a16="http://schemas.microsoft.com/office/drawing/2014/main" id="{A3B71D98-5973-AEE8-5C97-431F550C6F4B}"/>
+              </a:ext>
+            </a:extLst>
+          </p:cNvPr>
+          <p:cNvSpPr>
+            <a:spLocks noGrp="1"/>
+          </p:cNvSpPr>
+          <p:nvPr>
+            <p:ph type="ftr" sz="quarter" idx="11"/>
+          </p:nvPr>
+        </p:nvSpPr>
+        <p:spPr/>
+        <p:txBody>
+          <a:bodyPr/>
+          <a:lstStyle/>
+          <a:p>
+            <a:pPr rtl="0"/>
+            <a:r>
+              <a:rPr lang="ko"/>
+              <a:t>프레젠테이션 제목</a:t>
+            </a:r>
+          </a:p>
+        </p:txBody>
+      </p:sp>
+      <p:sp>
+        <p:nvSpPr>
           <p:cNvPr id="4" name="슬라이드 번호 개체 틀 3">
             <a:extLst>
               <a:ext uri="{FF2B5EF4-FFF2-40B4-BE49-F238E27FC236}">
-                <a16:creationId xmlns:a16="http://schemas.microsoft.com/office/drawing/2014/main" id="{2F263E82-C505-E2E5-CF58-A44B8B1ECBF8}"/>
+                <a16:creationId xmlns:a16="http://schemas.microsoft.com/office/drawing/2014/main" id="{4919977A-BECE-F8A5-F89F-BAD338AF048A}"/>
               </a:ext>
             </a:extLst>
           </p:cNvPr>
@@ -9961,6 +10078,230 @@
             <a:fld id="{A65A5C87-DF58-40C8-B092-1DE63DB4547E}" type="slidenum">
               <a:rPr lang="en-US" smtClean="0"/>
               <a:t>3</a:t>
+            </a:fld>
+            <a:endParaRPr lang="en-US" dirty="0"/>
+          </a:p>
+        </p:txBody>
+      </p:sp>
+      <p:pic>
+        <p:nvPicPr>
+          <p:cNvPr id="8" name="그림 7">
+            <a:extLst>
+              <a:ext uri="{FF2B5EF4-FFF2-40B4-BE49-F238E27FC236}">
+                <a16:creationId xmlns:a16="http://schemas.microsoft.com/office/drawing/2014/main" id="{FC5155F3-9F21-36F3-96A4-0834869D28D1}"/>
+              </a:ext>
+            </a:extLst>
+          </p:cNvPr>
+          <p:cNvPicPr>
+            <a:picLocks noChangeAspect="1"/>
+          </p:cNvPicPr>
+          <p:nvPr/>
+        </p:nvPicPr>
+        <p:blipFill>
+          <a:blip r:embed="rId4"/>
+          <a:stretch>
+            <a:fillRect/>
+          </a:stretch>
+        </p:blipFill>
+        <p:spPr>
+          <a:xfrm>
+            <a:off x="303229" y="204608"/>
+            <a:ext cx="11585542" cy="6516867"/>
+          </a:xfrm>
+          <a:prstGeom prst="rect">
+            <a:avLst/>
+          </a:prstGeom>
+        </p:spPr>
+      </p:pic>
+      <p:pic>
+        <p:nvPicPr>
+          <p:cNvPr id="91" name="오디오 90">
+            <a:hlinkClick r:id="" action="ppaction://media"/>
+            <a:extLst>
+              <a:ext uri="{FF2B5EF4-FFF2-40B4-BE49-F238E27FC236}">
+                <a16:creationId xmlns:a16="http://schemas.microsoft.com/office/drawing/2014/main" id="{D45BA41B-1DB3-C59B-BACD-530FAF504B5A}"/>
+              </a:ext>
+            </a:extLst>
+          </p:cNvPr>
+          <p:cNvPicPr>
+            <a:picLocks noChangeAspect="1"/>
+          </p:cNvPicPr>
+          <p:nvPr>
+            <a:audioFile r:link="rId2"/>
+            <p:extLst>
+              <p:ext uri="{DAA4B4D4-6D71-4841-9C94-3DE7FCFB9230}">
+                <p14:media xmlns:p14="http://schemas.microsoft.com/office/powerpoint/2010/main" r:embed="rId1"/>
+              </p:ext>
+            </p:extLst>
+          </p:nvPr>
+        </p:nvPicPr>
+        <p:blipFill>
+          <a:blip r:embed="rId5"/>
+          <a:srcRect l="-118750" t="-118750" r="-118750" b="-118750"/>
+          <a:stretch>
+            <a:fillRect/>
+          </a:stretch>
+        </p:blipFill>
+        <p:spPr>
+          <a:xfrm>
+            <a:off x="10052304" y="4718304"/>
+            <a:ext cx="2057400" cy="2057400"/>
+          </a:xfrm>
+          <a:prstGeom prst="ellipse">
+            <a:avLst/>
+          </a:prstGeom>
+        </p:spPr>
+      </p:pic>
+    </p:spTree>
+    <p:extLst>
+      <p:ext uri="{BB962C8B-B14F-4D97-AF65-F5344CB8AC3E}">
+        <p14:creationId xmlns:p14="http://schemas.microsoft.com/office/powerpoint/2010/main" val="2788977326"/>
+      </p:ext>
+    </p:extLst>
+  </p:cSld>
+  <p:clrMapOvr>
+    <a:masterClrMapping/>
+  </p:clrMapOvr>
+  <mc:AlternateContent xmlns:mc="http://schemas.openxmlformats.org/markup-compatibility/2006">
+    <mc:Choice xmlns:p14="http://schemas.microsoft.com/office/powerpoint/2010/main" Requires="p14">
+      <p:transition spd="slow" p14:dur="2000" advTm="3134"/>
+    </mc:Choice>
+    <mc:Fallback>
+      <p:transition spd="slow" advTm="3134"/>
+    </mc:Fallback>
+  </mc:AlternateContent>
+  <p:timing>
+    <p:tnLst>
+      <p:par>
+        <p:cTn id="1" dur="indefinite" restart="never" nodeType="tmRoot">
+          <p:childTnLst>
+            <p:seq concurrent="1" nextAc="seek">
+              <p:cTn id="2" dur="indefinite" nodeType="mainSeq">
+                <p:childTnLst>
+                  <p:par>
+                    <p:cTn id="3" fill="hold">
+                      <p:stCondLst>
+                        <p:cond delay="indefinite"/>
+                        <p:cond evt="onBegin" delay="0">
+                          <p:tn val="2"/>
+                        </p:cond>
+                      </p:stCondLst>
+                      <p:childTnLst>
+                        <p:par>
+                          <p:cTn id="4" fill="hold">
+                            <p:stCondLst>
+                              <p:cond delay="0"/>
+                            </p:stCondLst>
+                            <p:childTnLst>
+                              <p:par>
+                                <p:cTn id="5" presetID="1" presetClass="mediacall" presetSubtype="0" fill="hold" nodeType="afterEffect">
+                                  <p:stCondLst>
+                                    <p:cond delay="0"/>
+                                  </p:stCondLst>
+                                  <p:childTnLst>
+                                    <p:cmd type="call" cmd="playFrom(0.0)">
+                                      <p:cBhvr>
+                                        <p:cTn id="6" dur="1" fill="hold"/>
+                                        <p:tgtEl>
+                                          <p:spTgt spid="91"/>
+                                        </p:tgtEl>
+                                      </p:cBhvr>
+                                    </p:cmd>
+                                  </p:childTnLst>
+                                </p:cTn>
+                              </p:par>
+                            </p:childTnLst>
+                          </p:cTn>
+                        </p:par>
+                      </p:childTnLst>
+                    </p:cTn>
+                  </p:par>
+                </p:childTnLst>
+              </p:cTn>
+              <p:prevCondLst>
+                <p:cond evt="onPrev" delay="0">
+                  <p:tgtEl>
+                    <p:sldTgt/>
+                  </p:tgtEl>
+                </p:cond>
+              </p:prevCondLst>
+              <p:nextCondLst>
+                <p:cond evt="onNext" delay="0">
+                  <p:tgtEl>
+                    <p:sldTgt/>
+                  </p:tgtEl>
+                </p:cond>
+              </p:nextCondLst>
+            </p:seq>
+            <p:audio isNarration="1">
+              <p:cMediaNode vol="80000" showWhenStopped="0">
+                <p:cTn id="7" fill="hold" display="0">
+                  <p:stCondLst>
+                    <p:cond delay="indefinite"/>
+                  </p:stCondLst>
+                  <p:endCondLst>
+                    <p:cond evt="onStopAudio" delay="0">
+                      <p:tgtEl>
+                        <p:sldTgt/>
+                      </p:tgtEl>
+                    </p:cond>
+                  </p:endCondLst>
+                </p:cTn>
+                <p:tgtEl>
+                  <p:spTgt spid="91"/>
+                </p:tgtEl>
+              </p:cMediaNode>
+            </p:audio>
+          </p:childTnLst>
+        </p:cTn>
+      </p:par>
+    </p:tnLst>
+  </p:timing>
+</p:sld>
+</file>
+
+<file path=ppt/slides/slide4.xml><?xml version="1.0" encoding="utf-8"?>
+<p:sld xmlns:a="http://schemas.openxmlformats.org/drawingml/2006/main" xmlns:r="http://schemas.openxmlformats.org/officeDocument/2006/relationships" xmlns:p="http://schemas.openxmlformats.org/presentationml/2006/main">
+  <p:cSld>
+    <p:spTree>
+      <p:nvGrpSpPr>
+        <p:cNvPr id="1" name=""/>
+        <p:cNvGrpSpPr/>
+        <p:nvPr/>
+      </p:nvGrpSpPr>
+      <p:grpSpPr>
+        <a:xfrm>
+          <a:off x="0" y="0"/>
+          <a:ext cx="0" cy="0"/>
+          <a:chOff x="0" y="0"/>
+          <a:chExt cx="0" cy="0"/>
+        </a:xfrm>
+      </p:grpSpPr>
+      <p:sp>
+        <p:nvSpPr>
+          <p:cNvPr id="4" name="슬라이드 번호 개체 틀 3">
+            <a:extLst>
+              <a:ext uri="{FF2B5EF4-FFF2-40B4-BE49-F238E27FC236}">
+                <a16:creationId xmlns:a16="http://schemas.microsoft.com/office/drawing/2014/main" id="{2F263E82-C505-E2E5-CF58-A44B8B1ECBF8}"/>
+              </a:ext>
+            </a:extLst>
+          </p:cNvPr>
+          <p:cNvSpPr>
+            <a:spLocks noGrp="1"/>
+          </p:cNvSpPr>
+          <p:nvPr>
+            <p:ph type="sldNum" sz="quarter" idx="12"/>
+          </p:nvPr>
+        </p:nvSpPr>
+        <p:spPr/>
+        <p:txBody>
+          <a:bodyPr/>
+          <a:lstStyle/>
+          <a:p>
+            <a:pPr rtl="0"/>
+            <a:fld id="{A65A5C87-DF58-40C8-B092-1DE63DB4547E}" type="slidenum">
+              <a:rPr lang="en-US" smtClean="0"/>
+              <a:t>4</a:t>
             </a:fld>
             <a:endParaRPr lang="en-US" dirty="0"/>
           </a:p>
@@ -10010,7 +10351,7 @@
           <p:nvPr>
             <p:extLst>
               <p:ext uri="{D42A27DB-BD31-4B8C-83A1-F6EECF244321}">
-                <p14:modId xmlns:p14="http://schemas.microsoft.com/office/powerpoint/2010/main" val="2667021845"/>
+                <p14:modId xmlns:p14="http://schemas.microsoft.com/office/powerpoint/2010/main" val="1002344284"/>
               </p:ext>
             </p:extLst>
           </p:nvPr>
@@ -10312,7 +10653,7 @@
                       <a:pPr latinLnBrk="1"/>
                       <a:r>
                         <a:rPr lang="ko-KR" altLang="en-US" dirty="0"/>
-                        <a:t>점수 및 타이머 구현</a:t>
+                        <a:t>점수 및 스코어 구현</a:t>
                       </a:r>
                     </a:p>
                   </a:txBody>
@@ -10369,11 +10710,11 @@
       </p:graphicFrame>
       <p:pic>
         <p:nvPicPr>
-          <p:cNvPr id="39" name="오디오 38">
+          <p:cNvPr id="84" name="오디오 83">
             <a:hlinkClick r:id="" action="ppaction://media"/>
             <a:extLst>
               <a:ext uri="{FF2B5EF4-FFF2-40B4-BE49-F238E27FC236}">
-                <a16:creationId xmlns:a16="http://schemas.microsoft.com/office/drawing/2014/main" id="{EC90AD4D-67CC-27A4-0CD6-5EE7C28793BD}"/>
+                <a16:creationId xmlns:a16="http://schemas.microsoft.com/office/drawing/2014/main" id="{42B9DC2B-57D7-9D56-E809-3362DBC59D5B}"/>
               </a:ext>
             </a:extLst>
           </p:cNvPr>
@@ -10416,12 +10757,12 @@
   <p:clrMapOvr>
     <a:masterClrMapping/>
   </p:clrMapOvr>
-  <mc:AlternateContent xmlns:mc="http://schemas.openxmlformats.org/markup-compatibility/2006" xmlns:p14="http://schemas.microsoft.com/office/powerpoint/2010/main">
-    <mc:Choice Requires="p14">
-      <p:transition spd="slow" p14:dur="2000" advTm="28409"/>
+  <mc:AlternateContent xmlns:mc="http://schemas.openxmlformats.org/markup-compatibility/2006">
+    <mc:Choice xmlns:p14="http://schemas.microsoft.com/office/powerpoint/2010/main" Requires="p14">
+      <p:transition spd="slow" p14:dur="2000" advTm="3133"/>
     </mc:Choice>
-    <mc:Fallback xmlns="">
-      <p:transition spd="slow" advTm="28409"/>
+    <mc:Fallback>
+      <p:transition spd="slow" advTm="3133"/>
     </mc:Fallback>
   </mc:AlternateContent>
   <p:timing>
@@ -10457,7 +10798,7 @@
                                       <p:cBhvr>
                                         <p:cTn id="6" dur="1" fill="hold"/>
                                         <p:tgtEl>
-                                          <p:spTgt spid="39"/>
+                                          <p:spTgt spid="84"/>
                                         </p:tgtEl>
                                       </p:cBhvr>
                                     </p:cmd>
@@ -10502,7 +10843,7 @@
                   </p:endCondLst>
                 </p:cTn>
                 <p:tgtEl>
-                  <p:spTgt spid="39"/>
+                  <p:spTgt spid="84"/>
                 </p:tgtEl>
               </p:cMediaNode>
             </p:audio>
@@ -10514,7 +10855,7 @@
 </p:sld>
 </file>
 
-<file path=ppt/slides/slide4.xml><?xml version="1.0" encoding="utf-8"?>
+<file path=ppt/slides/slide5.xml><?xml version="1.0" encoding="utf-8"?>
 <p:sld xmlns:a="http://schemas.openxmlformats.org/drawingml/2006/main" xmlns:r="http://schemas.openxmlformats.org/officeDocument/2006/relationships" xmlns:p="http://schemas.openxmlformats.org/presentationml/2006/main">
   <p:cSld>
     <p:spTree>
@@ -10555,7 +10896,7 @@
             <a:pPr rtl="0"/>
             <a:fld id="{A65A5C87-DF58-40C8-B092-1DE63DB4547E}" type="slidenum">
               <a:rPr lang="en-US" smtClean="0"/>
-              <a:t>4</a:t>
+              <a:t>5</a:t>
             </a:fld>
             <a:endParaRPr lang="en-US" dirty="0"/>
           </a:p>
@@ -10605,7 +10946,7 @@
           <p:nvPr>
             <p:extLst>
               <p:ext uri="{D42A27DB-BD31-4B8C-83A1-F6EECF244321}">
-                <p14:modId xmlns:p14="http://schemas.microsoft.com/office/powerpoint/2010/main" val="4276588274"/>
+                <p14:modId xmlns:p14="http://schemas.microsoft.com/office/powerpoint/2010/main" val="1154320796"/>
               </p:ext>
             </p:extLst>
           </p:nvPr>
@@ -10738,10 +11079,26 @@
                     <a:bodyPr/>
                     <a:lstStyle/>
                     <a:p>
-                      <a:pPr latinLnBrk="1"/>
+                      <a:pPr marL="0" marR="0" lvl="0" indent="0" algn="l" defTabSz="914400" rtl="0" eaLnBrk="1" fontAlgn="auto" latinLnBrk="1" hangingPunct="1">
+                        <a:lnSpc>
+                          <a:spcPct val="100000"/>
+                        </a:lnSpc>
+                        <a:spcBef>
+                          <a:spcPts val="0"/>
+                        </a:spcBef>
+                        <a:spcAft>
+                          <a:spcPts val="0"/>
+                        </a:spcAft>
+                        <a:buClrTx/>
+                        <a:buSzTx/>
+                        <a:buFontTx/>
+                        <a:buNone/>
+                        <a:tabLst/>
+                        <a:defRPr/>
+                      </a:pPr>
                       <a:r>
                         <a:rPr lang="ko-KR" altLang="en-US" dirty="0"/>
-                        <a:t>공의 움직임 구현</a:t>
+                        <a:t>골대 패턴 구현하기</a:t>
                       </a:r>
                     </a:p>
                   </a:txBody>
@@ -10780,7 +11137,7 @@
                       <a:pPr latinLnBrk="1"/>
                       <a:r>
                         <a:rPr lang="ko-KR" altLang="en-US" dirty="0"/>
-                        <a:t>골대 패턴 구현하기</a:t>
+                        <a:t>마우스로 공 움직이기</a:t>
                       </a:r>
                     </a:p>
                   </a:txBody>
@@ -10816,10 +11173,26 @@
                     <a:bodyPr/>
                     <a:lstStyle/>
                     <a:p>
-                      <a:pPr latinLnBrk="1"/>
+                      <a:pPr marL="0" marR="0" lvl="0" indent="0" algn="l" defTabSz="914400" rtl="0" eaLnBrk="1" fontAlgn="auto" latinLnBrk="1" hangingPunct="1">
+                        <a:lnSpc>
+                          <a:spcPct val="100000"/>
+                        </a:lnSpc>
+                        <a:spcBef>
+                          <a:spcPts val="0"/>
+                        </a:spcBef>
+                        <a:spcAft>
+                          <a:spcPts val="0"/>
+                        </a:spcAft>
+                        <a:buClrTx/>
+                        <a:buSzTx/>
+                        <a:buFontTx/>
+                        <a:buNone/>
+                        <a:tabLst/>
+                        <a:defRPr/>
+                      </a:pPr>
                       <a:r>
                         <a:rPr lang="ko-KR" altLang="en-US" dirty="0"/>
-                        <a:t>마우스로 공 움직이기</a:t>
+                        <a:t>골대와 공의 상호작용 구현</a:t>
                       </a:r>
                     </a:p>
                   </a:txBody>
@@ -10858,7 +11231,7 @@
                       <a:pPr latinLnBrk="1"/>
                       <a:r>
                         <a:rPr lang="ko-KR" altLang="en-US" dirty="0"/>
-                        <a:t>골대와 공의 상호작용 구현</a:t>
+                        <a:t>공과 장애물의 상호작용 구현</a:t>
                       </a:r>
                     </a:p>
                   </a:txBody>
@@ -10897,7 +11270,7 @@
                       <a:pPr latinLnBrk="1"/>
                       <a:r>
                         <a:rPr lang="ko-KR" altLang="en-US" dirty="0"/>
-                        <a:t>점수 및 타이머 구현</a:t>
+                        <a:t>공 스킨 바꿀 수 있게 만들기</a:t>
                       </a:r>
                     </a:p>
                   </a:txBody>
@@ -10954,11 +11327,11 @@
       </p:graphicFrame>
       <p:pic>
         <p:nvPicPr>
-          <p:cNvPr id="39" name="오디오 38">
+          <p:cNvPr id="37" name="오디오 36">
             <a:hlinkClick r:id="" action="ppaction://media"/>
             <a:extLst>
               <a:ext uri="{FF2B5EF4-FFF2-40B4-BE49-F238E27FC236}">
-                <a16:creationId xmlns:a16="http://schemas.microsoft.com/office/drawing/2014/main" id="{EC90AD4D-67CC-27A4-0CD6-5EE7C28793BD}"/>
+                <a16:creationId xmlns:a16="http://schemas.microsoft.com/office/drawing/2014/main" id="{0246CBA7-AC32-2055-5531-B932B1AA742C}"/>
               </a:ext>
             </a:extLst>
           </p:cNvPr>
@@ -11001,12 +11374,12 @@
   <p:clrMapOvr>
     <a:masterClrMapping/>
   </p:clrMapOvr>
-  <mc:AlternateContent xmlns:mc="http://schemas.openxmlformats.org/markup-compatibility/2006" xmlns:p14="http://schemas.microsoft.com/office/powerpoint/2010/main">
-    <mc:Choice Requires="p14">
-      <p:transition spd="slow" p14:dur="2000" advTm="28409"/>
+  <mc:AlternateContent xmlns:mc="http://schemas.openxmlformats.org/markup-compatibility/2006">
+    <mc:Choice xmlns:p14="http://schemas.microsoft.com/office/powerpoint/2010/main" Requires="p14">
+      <p:transition spd="slow" p14:dur="2000" advTm="15699"/>
     </mc:Choice>
-    <mc:Fallback xmlns="">
-      <p:transition spd="slow" advTm="28409"/>
+    <mc:Fallback>
+      <p:transition spd="slow" advTm="15699"/>
     </mc:Fallback>
   </mc:AlternateContent>
   <p:timing>
@@ -11042,7 +11415,7 @@
                                       <p:cBhvr>
                                         <p:cTn id="6" dur="1" fill="hold"/>
                                         <p:tgtEl>
-                                          <p:spTgt spid="39"/>
+                                          <p:spTgt spid="37"/>
                                         </p:tgtEl>
                                       </p:cBhvr>
                                     </p:cmd>
@@ -11087,7 +11460,7 @@
                   </p:endCondLst>
                 </p:cTn>
                 <p:tgtEl>
-                  <p:spTgt spid="39"/>
+                  <p:spTgt spid="37"/>
                 </p:tgtEl>
               </p:cMediaNode>
             </p:audio>
@@ -11096,154 +11469,6 @@
       </p:par>
     </p:tnLst>
   </p:timing>
-</p:sld>
-</file>
-
-<file path=ppt/slides/slide5.xml><?xml version="1.0" encoding="utf-8"?>
-<p:sld xmlns:a="http://schemas.openxmlformats.org/drawingml/2006/main" xmlns:r="http://schemas.openxmlformats.org/officeDocument/2006/relationships" xmlns:p="http://schemas.openxmlformats.org/presentationml/2006/main">
-  <p:cSld>
-    <p:spTree>
-      <p:nvGrpSpPr>
-        <p:cNvPr id="1" name=""/>
-        <p:cNvGrpSpPr/>
-        <p:nvPr/>
-      </p:nvGrpSpPr>
-      <p:grpSpPr>
-        <a:xfrm>
-          <a:off x="0" y="0"/>
-          <a:ext cx="0" cy="0"/>
-          <a:chOff x="0" y="0"/>
-          <a:chExt cx="0" cy="0"/>
-        </a:xfrm>
-      </p:grpSpPr>
-      <p:sp>
-        <p:nvSpPr>
-          <p:cNvPr id="2" name="날짜 개체 틀 1">
-            <a:extLst>
-              <a:ext uri="{FF2B5EF4-FFF2-40B4-BE49-F238E27FC236}">
-                <a16:creationId xmlns:a16="http://schemas.microsoft.com/office/drawing/2014/main" id="{AA325A79-541A-6D09-DF49-1A50443ED63E}"/>
-              </a:ext>
-            </a:extLst>
-          </p:cNvPr>
-          <p:cNvSpPr>
-            <a:spLocks noGrp="1"/>
-          </p:cNvSpPr>
-          <p:nvPr>
-            <p:ph type="dt" sz="half" idx="10"/>
-          </p:nvPr>
-        </p:nvSpPr>
-        <p:spPr/>
-        <p:txBody>
-          <a:bodyPr/>
-          <a:lstStyle/>
-          <a:p>
-            <a:pPr rtl="0"/>
-            <a:r>
-              <a:rPr lang="ko"/>
-              <a:t>9/4/20XX</a:t>
-            </a:r>
-          </a:p>
-        </p:txBody>
-      </p:sp>
-      <p:sp>
-        <p:nvSpPr>
-          <p:cNvPr id="3" name="바닥글 개체 틀 2">
-            <a:extLst>
-              <a:ext uri="{FF2B5EF4-FFF2-40B4-BE49-F238E27FC236}">
-                <a16:creationId xmlns:a16="http://schemas.microsoft.com/office/drawing/2014/main" id="{A3B71D98-5973-AEE8-5C97-431F550C6F4B}"/>
-              </a:ext>
-            </a:extLst>
-          </p:cNvPr>
-          <p:cNvSpPr>
-            <a:spLocks noGrp="1"/>
-          </p:cNvSpPr>
-          <p:nvPr>
-            <p:ph type="ftr" sz="quarter" idx="11"/>
-          </p:nvPr>
-        </p:nvSpPr>
-        <p:spPr/>
-        <p:txBody>
-          <a:bodyPr/>
-          <a:lstStyle/>
-          <a:p>
-            <a:pPr rtl="0"/>
-            <a:r>
-              <a:rPr lang="ko"/>
-              <a:t>프레젠테이션 제목</a:t>
-            </a:r>
-          </a:p>
-        </p:txBody>
-      </p:sp>
-      <p:sp>
-        <p:nvSpPr>
-          <p:cNvPr id="4" name="슬라이드 번호 개체 틀 3">
-            <a:extLst>
-              <a:ext uri="{FF2B5EF4-FFF2-40B4-BE49-F238E27FC236}">
-                <a16:creationId xmlns:a16="http://schemas.microsoft.com/office/drawing/2014/main" id="{4919977A-BECE-F8A5-F89F-BAD338AF048A}"/>
-              </a:ext>
-            </a:extLst>
-          </p:cNvPr>
-          <p:cNvSpPr>
-            <a:spLocks noGrp="1"/>
-          </p:cNvSpPr>
-          <p:nvPr>
-            <p:ph type="sldNum" sz="quarter" idx="12"/>
-          </p:nvPr>
-        </p:nvSpPr>
-        <p:spPr/>
-        <p:txBody>
-          <a:bodyPr/>
-          <a:lstStyle/>
-          <a:p>
-            <a:pPr rtl="0"/>
-            <a:fld id="{A65A5C87-DF58-40C8-B092-1DE63DB4547E}" type="slidenum">
-              <a:rPr lang="en-US" smtClean="0"/>
-              <a:t>5</a:t>
-            </a:fld>
-            <a:endParaRPr lang="en-US" dirty="0"/>
-          </a:p>
-        </p:txBody>
-      </p:sp>
-      <p:pic>
-        <p:nvPicPr>
-          <p:cNvPr id="8" name="그림 7">
-            <a:extLst>
-              <a:ext uri="{FF2B5EF4-FFF2-40B4-BE49-F238E27FC236}">
-                <a16:creationId xmlns:a16="http://schemas.microsoft.com/office/drawing/2014/main" id="{FC5155F3-9F21-36F3-96A4-0834869D28D1}"/>
-              </a:ext>
-            </a:extLst>
-          </p:cNvPr>
-          <p:cNvPicPr>
-            <a:picLocks noChangeAspect="1"/>
-          </p:cNvPicPr>
-          <p:nvPr/>
-        </p:nvPicPr>
-        <p:blipFill>
-          <a:blip r:embed="rId2"/>
-          <a:stretch>
-            <a:fillRect/>
-          </a:stretch>
-        </p:blipFill>
-        <p:spPr>
-          <a:xfrm>
-            <a:off x="303229" y="204608"/>
-            <a:ext cx="11585542" cy="6516867"/>
-          </a:xfrm>
-          <a:prstGeom prst="rect">
-            <a:avLst/>
-          </a:prstGeom>
-        </p:spPr>
-      </p:pic>
-    </p:spTree>
-    <p:extLst>
-      <p:ext uri="{BB962C8B-B14F-4D97-AF65-F5344CB8AC3E}">
-        <p14:creationId xmlns:p14="http://schemas.microsoft.com/office/powerpoint/2010/main" val="2788977326"/>
-      </p:ext>
-    </p:extLst>
-  </p:cSld>
-  <p:clrMapOvr>
-    <a:masterClrMapping/>
-  </p:clrMapOvr>
 </p:sld>
 </file>
 
@@ -12039,6 +12264,15 @@
 </file>
 
 <file path=customXml/item1.xml><?xml version="1.0" encoding="utf-8"?>
+<p:properties xmlns:p="http://schemas.microsoft.com/office/2006/metadata/properties" xmlns:xsi="http://www.w3.org/2001/XMLSchema-instance" xmlns:pc="http://schemas.microsoft.com/office/infopath/2007/PartnerControls">
+  <documentManagement>
+    <Status xmlns="71af3243-3dd4-4a8d-8c0d-dd76da1f02a5">Not started</Status>
+    <MediaServiceKeyPoints xmlns="71af3243-3dd4-4a8d-8c0d-dd76da1f02a5" xsi:nil="true"/>
+  </documentManagement>
+</p:properties>
+</file>
+
+<file path=customXml/item2.xml><?xml version="1.0" encoding="utf-8"?>
 <ct:contentTypeSchema xmlns:ct="http://schemas.microsoft.com/office/2006/metadata/contentType" xmlns:ma="http://schemas.microsoft.com/office/2006/metadata/properties/metaAttributes" ct:_="" ma:_="" ma:contentTypeName="Document" ma:contentTypeID="0x01010079F111ED35F8CC479449609E8A0923A6" ma:contentTypeVersion="12" ma:contentTypeDescription="Create a new document." ma:contentTypeScope="" ma:versionID="426e97fa315356fffbdcd9876fe988c2">
   <xsd:schema xmlns:xsd="http://www.w3.org/2001/XMLSchema" xmlns:xs="http://www.w3.org/2001/XMLSchema" xmlns:p="http://schemas.microsoft.com/office/2006/metadata/properties" xmlns:ns2="71af3243-3dd4-4a8d-8c0d-dd76da1f02a5" xmlns:ns3="16c05727-aa75-4e4a-9b5f-8a80a1165891" targetNamespace="http://schemas.microsoft.com/office/2006/metadata/properties" ma:root="true" ma:fieldsID="14b8f0def80e6d70ce3def20c90759ae" ns2:_="" ns3:_="">
     <xsd:import namespace="71af3243-3dd4-4a8d-8c0d-dd76da1f02a5"/>
@@ -12259,15 +12493,6 @@
 </ct:contentTypeSchema>
 </file>
 
-<file path=customXml/item2.xml><?xml version="1.0" encoding="utf-8"?>
-<p:properties xmlns:p="http://schemas.microsoft.com/office/2006/metadata/properties" xmlns:xsi="http://www.w3.org/2001/XMLSchema-instance" xmlns:pc="http://schemas.microsoft.com/office/infopath/2007/PartnerControls">
-  <documentManagement>
-    <Status xmlns="71af3243-3dd4-4a8d-8c0d-dd76da1f02a5">Not started</Status>
-    <MediaServiceKeyPoints xmlns="71af3243-3dd4-4a8d-8c0d-dd76da1f02a5" xsi:nil="true"/>
-  </documentManagement>
-</p:properties>
-</file>
-
 <file path=customXml/item3.xml><?xml version="1.0" encoding="utf-8"?>
 <?mso-contentType ?>
 <FormTemplates xmlns="http://schemas.microsoft.com/sharepoint/v3/contenttype/forms">
@@ -12278,6 +12503,16 @@
 </file>
 
 <file path=customXml/itemProps1.xml><?xml version="1.0" encoding="utf-8"?>
+<ds:datastoreItem xmlns:ds="http://schemas.openxmlformats.org/officeDocument/2006/customXml" ds:itemID="{290D7697-8E53-4EA8-8CBB-9C19575257BF}">
+  <ds:schemaRefs>
+    <ds:schemaRef ds:uri="http://schemas.microsoft.com/office/2006/metadata/properties"/>
+    <ds:schemaRef ds:uri="http://schemas.microsoft.com/office/infopath/2007/PartnerControls"/>
+    <ds:schemaRef ds:uri="71af3243-3dd4-4a8d-8c0d-dd76da1f02a5"/>
+  </ds:schemaRefs>
+</ds:datastoreItem>
+</file>
+
+<file path=customXml/itemProps2.xml><?xml version="1.0" encoding="utf-8"?>
 <ds:datastoreItem xmlns:ds="http://schemas.openxmlformats.org/officeDocument/2006/customXml" ds:itemID="{1DF0A252-5923-47A2-A53A-F9BF72908919}">
   <ds:schemaRefs>
     <ds:schemaRef ds:uri="http://schemas.microsoft.com/office/2006/metadata/contentType"/>
@@ -12296,16 +12531,6 @@
 </ds:datastoreItem>
 </file>
 
-<file path=customXml/itemProps2.xml><?xml version="1.0" encoding="utf-8"?>
-<ds:datastoreItem xmlns:ds="http://schemas.openxmlformats.org/officeDocument/2006/customXml" ds:itemID="{290D7697-8E53-4EA8-8CBB-9C19575257BF}">
-  <ds:schemaRefs>
-    <ds:schemaRef ds:uri="http://schemas.microsoft.com/office/2006/metadata/properties"/>
-    <ds:schemaRef ds:uri="http://schemas.microsoft.com/office/infopath/2007/PartnerControls"/>
-    <ds:schemaRef ds:uri="71af3243-3dd4-4a8d-8c0d-dd76da1f02a5"/>
-  </ds:schemaRefs>
-</ds:datastoreItem>
-</file>
-
 <file path=customXml/itemProps3.xml><?xml version="1.0" encoding="utf-8"?>
 <ds:datastoreItem xmlns:ds="http://schemas.openxmlformats.org/officeDocument/2006/customXml" ds:itemID="{B927DC71-2909-427C-BDB0-3E47E2101517}">
   <ds:schemaRefs>
